--- a/企画発表会資料.pptx
+++ b/企画発表会資料.pptx
@@ -9,11 +9,15 @@
     <p:sldId id="257" r:id="rId3"/>
     <p:sldId id="259" r:id="rId4"/>
     <p:sldId id="260" r:id="rId5"/>
-    <p:sldId id="261" r:id="rId6"/>
-    <p:sldId id="262" r:id="rId7"/>
-    <p:sldId id="263" r:id="rId8"/>
-    <p:sldId id="265" r:id="rId9"/>
-    <p:sldId id="264" r:id="rId10"/>
+    <p:sldId id="266" r:id="rId6"/>
+    <p:sldId id="261" r:id="rId7"/>
+    <p:sldId id="262" r:id="rId8"/>
+    <p:sldId id="263" r:id="rId9"/>
+    <p:sldId id="265" r:id="rId10"/>
+    <p:sldId id="267" r:id="rId11"/>
+    <p:sldId id="268" r:id="rId12"/>
+    <p:sldId id="269" r:id="rId13"/>
+    <p:sldId id="264" r:id="rId14"/>
   </p:sldIdLst>
   <p:sldSz cx="12192000" cy="6858000"/>
   <p:notesSz cx="6858000" cy="9144000"/>
@@ -112,6 +116,11 @@
       </a:defRPr>
     </a:lvl9pPr>
   </p:defaultTextStyle>
+  <p:extLst>
+    <p:ext uri="{EFAFB233-063F-42B5-8137-9DF3F51BA10A}">
+      <p15:sldGuideLst xmlns:p15="http://schemas.microsoft.com/office/powerpoint/2012/main"/>
+    </p:ext>
+  </p:extLst>
 </p:presentation>
 </file>
 
@@ -246,7 +255,7 @@
           <a:p>
             <a:fld id="{4874BB51-3608-4196-B8C1-9ADF11DFEC24}" type="datetimeFigureOut">
               <a:rPr kumimoji="1" lang="ja-JP" altLang="en-US" smtClean="0"/>
-              <a:t>2018/5/17</a:t>
+              <a:t>2018/5/18</a:t>
             </a:fld>
             <a:endParaRPr kumimoji="1" lang="ja-JP" altLang="en-US"/>
           </a:p>
@@ -448,7 +457,7 @@
           <a:p>
             <a:fld id="{4874BB51-3608-4196-B8C1-9ADF11DFEC24}" type="datetimeFigureOut">
               <a:rPr kumimoji="1" lang="ja-JP" altLang="en-US" smtClean="0"/>
-              <a:t>2018/5/17</a:t>
+              <a:t>2018/5/18</a:t>
             </a:fld>
             <a:endParaRPr kumimoji="1" lang="ja-JP" altLang="en-US"/>
           </a:p>
@@ -660,7 +669,7 @@
           <a:p>
             <a:fld id="{4874BB51-3608-4196-B8C1-9ADF11DFEC24}" type="datetimeFigureOut">
               <a:rPr kumimoji="1" lang="ja-JP" altLang="en-US" smtClean="0"/>
-              <a:t>2018/5/17</a:t>
+              <a:t>2018/5/18</a:t>
             </a:fld>
             <a:endParaRPr kumimoji="1" lang="ja-JP" altLang="en-US"/>
           </a:p>
@@ -862,7 +871,7 @@
           <a:p>
             <a:fld id="{4874BB51-3608-4196-B8C1-9ADF11DFEC24}" type="datetimeFigureOut">
               <a:rPr kumimoji="1" lang="ja-JP" altLang="en-US" smtClean="0"/>
-              <a:t>2018/5/17</a:t>
+              <a:t>2018/5/18</a:t>
             </a:fld>
             <a:endParaRPr kumimoji="1" lang="ja-JP" altLang="en-US"/>
           </a:p>
@@ -1108,7 +1117,7 @@
           <a:p>
             <a:fld id="{4874BB51-3608-4196-B8C1-9ADF11DFEC24}" type="datetimeFigureOut">
               <a:rPr kumimoji="1" lang="ja-JP" altLang="en-US" smtClean="0"/>
-              <a:t>2018/5/17</a:t>
+              <a:t>2018/5/18</a:t>
             </a:fld>
             <a:endParaRPr kumimoji="1" lang="ja-JP" altLang="en-US"/>
           </a:p>
@@ -1404,7 +1413,7 @@
           <a:p>
             <a:fld id="{4874BB51-3608-4196-B8C1-9ADF11DFEC24}" type="datetimeFigureOut">
               <a:rPr kumimoji="1" lang="ja-JP" altLang="en-US" smtClean="0"/>
-              <a:t>2018/5/17</a:t>
+              <a:t>2018/5/18</a:t>
             </a:fld>
             <a:endParaRPr kumimoji="1" lang="ja-JP" altLang="en-US"/>
           </a:p>
@@ -1835,7 +1844,7 @@
           <a:p>
             <a:fld id="{4874BB51-3608-4196-B8C1-9ADF11DFEC24}" type="datetimeFigureOut">
               <a:rPr kumimoji="1" lang="ja-JP" altLang="en-US" smtClean="0"/>
-              <a:t>2018/5/17</a:t>
+              <a:t>2018/5/18</a:t>
             </a:fld>
             <a:endParaRPr kumimoji="1" lang="ja-JP" altLang="en-US"/>
           </a:p>
@@ -1953,7 +1962,7 @@
           <a:p>
             <a:fld id="{4874BB51-3608-4196-B8C1-9ADF11DFEC24}" type="datetimeFigureOut">
               <a:rPr kumimoji="1" lang="ja-JP" altLang="en-US" smtClean="0"/>
-              <a:t>2018/5/17</a:t>
+              <a:t>2018/5/18</a:t>
             </a:fld>
             <a:endParaRPr kumimoji="1" lang="ja-JP" altLang="en-US"/>
           </a:p>
@@ -2048,7 +2057,7 @@
           <a:p>
             <a:fld id="{4874BB51-3608-4196-B8C1-9ADF11DFEC24}" type="datetimeFigureOut">
               <a:rPr kumimoji="1" lang="ja-JP" altLang="en-US" smtClean="0"/>
-              <a:t>2018/5/17</a:t>
+              <a:t>2018/5/18</a:t>
             </a:fld>
             <a:endParaRPr kumimoji="1" lang="ja-JP" altLang="en-US"/>
           </a:p>
@@ -2357,7 +2366,7 @@
           <a:p>
             <a:fld id="{4874BB51-3608-4196-B8C1-9ADF11DFEC24}" type="datetimeFigureOut">
               <a:rPr kumimoji="1" lang="ja-JP" altLang="en-US" smtClean="0"/>
-              <a:t>2018/5/17</a:t>
+              <a:t>2018/5/18</a:t>
             </a:fld>
             <a:endParaRPr kumimoji="1" lang="ja-JP" altLang="en-US"/>
           </a:p>
@@ -2614,7 +2623,7 @@
           <a:p>
             <a:fld id="{4874BB51-3608-4196-B8C1-9ADF11DFEC24}" type="datetimeFigureOut">
               <a:rPr kumimoji="1" lang="ja-JP" altLang="en-US" smtClean="0"/>
-              <a:t>2018/5/17</a:t>
+              <a:t>2018/5/18</a:t>
             </a:fld>
             <a:endParaRPr kumimoji="1" lang="ja-JP" altLang="en-US"/>
           </a:p>
@@ -2859,7 +2868,7 @@
           <a:p>
             <a:fld id="{4874BB51-3608-4196-B8C1-9ADF11DFEC24}" type="datetimeFigureOut">
               <a:rPr kumimoji="1" lang="ja-JP" altLang="en-US" smtClean="0"/>
-              <a:t>2018/5/17</a:t>
+              <a:t>2018/5/18</a:t>
             </a:fld>
             <a:endParaRPr kumimoji="1" lang="ja-JP" altLang="en-US"/>
           </a:p>
@@ -3361,8 +3370,8 @@
         </p:nvSpPr>
         <p:spPr>
           <a:xfrm>
-            <a:off x="3664001" y="2644170"/>
-            <a:ext cx="5109091" cy="1569660"/>
+            <a:off x="2310347" y="2644170"/>
+            <a:ext cx="7571303" cy="1569660"/>
           </a:xfrm>
           <a:prstGeom prst="rect">
             <a:avLst/>
@@ -3377,7 +3386,7 @@
           <a:p>
             <a:r>
               <a:rPr lang="ja-JP" altLang="en-US" sz="9600" dirty="0"/>
-              <a:t>タイトル</a:t>
+              <a:t>タイトル未定</a:t>
             </a:r>
             <a:endParaRPr kumimoji="1" lang="ja-JP" altLang="en-US" sz="9600" dirty="0"/>
           </a:p>
@@ -3788,7 +3797,7 @@
 </p:sld>
 </file>
 
-<file path=ppt/slides/slide2.xml><?xml version="1.0" encoding="utf-8"?>
+<file path=ppt/slides/slide10.xml><?xml version="1.0" encoding="utf-8"?>
 <p:sld xmlns:a="http://schemas.openxmlformats.org/drawingml/2006/main" xmlns:r="http://schemas.openxmlformats.org/officeDocument/2006/relationships" xmlns:p="http://schemas.openxmlformats.org/presentationml/2006/main">
   <p:cSld>
     <p:bg>
@@ -4312,7 +4321,7 @@
         <p:spPr>
           <a:xfrm>
             <a:off x="640079" y="4526280"/>
-            <a:ext cx="7410681" cy="1737360"/>
+            <a:ext cx="8749018" cy="1737360"/>
           </a:xfrm>
         </p:spPr>
         <p:txBody>
@@ -4323,7 +4332,7 @@
           <a:p>
             <a:r>
               <a:rPr kumimoji="1" lang="ja-JP" altLang="en-US" sz="4800" dirty="0"/>
-              <a:t>ゲームシステム</a:t>
+              <a:t>グラフィック募集要項（仮）</a:t>
             </a:r>
           </a:p>
         </p:txBody>
@@ -4357,37 +4366,50 @@
           <a:lstStyle/>
           <a:p>
             <a:r>
-              <a:rPr lang="ja-JP" altLang="en-US" sz="1800" dirty="0"/>
-              <a:t>戦艦のパーツをカスタマイズ！</a:t>
-            </a:r>
+              <a:rPr kumimoji="1" lang="ja-JP" altLang="en-US" sz="1800" dirty="0"/>
+              <a:t>キャラクター</a:t>
+            </a:r>
+            <a:endParaRPr kumimoji="1" lang="en-US" altLang="ja-JP" sz="1800" dirty="0"/>
+          </a:p>
+          <a:p>
             <a:endParaRPr lang="en-US" altLang="ja-JP" sz="1800" dirty="0"/>
           </a:p>
           <a:p>
+            <a:r>
+              <a:rPr kumimoji="1" lang="ja-JP" altLang="en-US" sz="1800" dirty="0"/>
+              <a:t>戦艦（パーツ含む）</a:t>
+            </a:r>
+            <a:endParaRPr kumimoji="1" lang="en-US" altLang="ja-JP" sz="1800" dirty="0"/>
+          </a:p>
+          <a:p>
             <a:endParaRPr lang="en-US" altLang="ja-JP" sz="1800" dirty="0"/>
           </a:p>
           <a:p>
             <a:r>
               <a:rPr kumimoji="1" lang="ja-JP" altLang="en-US" sz="1800" dirty="0"/>
-              <a:t>戦艦の動きもカスタマイズ可能！</a:t>
+              <a:t>背景</a:t>
             </a:r>
             <a:endParaRPr kumimoji="1" lang="en-US" altLang="ja-JP" sz="1800" dirty="0"/>
           </a:p>
           <a:p>
-            <a:endParaRPr kumimoji="1" lang="en-US" altLang="ja-JP" sz="1800" dirty="0"/>
-          </a:p>
-          <a:p>
+            <a:endParaRPr lang="en-US" altLang="ja-JP" sz="1800" dirty="0"/>
+          </a:p>
+          <a:p>
+            <a:r>
+              <a:rPr kumimoji="1" lang="en-US" altLang="ja-JP" sz="1800" dirty="0"/>
+              <a:t>UI</a:t>
+            </a:r>
             <a:r>
               <a:rPr kumimoji="1" lang="ja-JP" altLang="en-US" sz="1800" dirty="0"/>
-              <a:t>あらかじめカスタマイズした通りに戦艦バトル！</a:t>
-            </a:r>
-            <a:endParaRPr kumimoji="1" lang="en-US" altLang="ja-JP" sz="1800" dirty="0"/>
+              <a:t>デザイン</a:t>
+            </a:r>
           </a:p>
         </p:txBody>
       </p:sp>
     </p:spTree>
     <p:extLst>
       <p:ext uri="{BB962C8B-B14F-4D97-AF65-F5344CB8AC3E}">
-        <p14:creationId xmlns:p14="http://schemas.microsoft.com/office/powerpoint/2010/main" val="4022364362"/>
+        <p14:creationId xmlns:p14="http://schemas.microsoft.com/office/powerpoint/2010/main" val="480771790"/>
       </p:ext>
     </p:extLst>
   </p:cSld>
@@ -4409,7 +4431,7 @@
 </p:sld>
 </file>
 
-<file path=ppt/slides/slide3.xml><?xml version="1.0" encoding="utf-8"?>
+<file path=ppt/slides/slide11.xml><?xml version="1.0" encoding="utf-8"?>
 <p:sld xmlns:a="http://schemas.openxmlformats.org/drawingml/2006/main" xmlns:r="http://schemas.openxmlformats.org/officeDocument/2006/relationships" xmlns:p="http://schemas.openxmlformats.org/presentationml/2006/main">
   <p:cSld>
     <p:bg>
@@ -4933,7 +4955,7 @@
         <p:spPr>
           <a:xfrm>
             <a:off x="640079" y="4526280"/>
-            <a:ext cx="7410681" cy="1737360"/>
+            <a:ext cx="8607616" cy="1737360"/>
           </a:xfrm>
         </p:spPr>
         <p:txBody>
@@ -4944,7 +4966,7 @@
           <a:p>
             <a:r>
               <a:rPr kumimoji="1" lang="ja-JP" altLang="en-US" sz="4800" dirty="0"/>
-              <a:t>二つのゲームモード</a:t>
+              <a:t>ミュージック募集要項（仮）</a:t>
             </a:r>
           </a:p>
         </p:txBody>
@@ -4978,21 +5000,25 @@
           <a:lstStyle/>
           <a:p>
             <a:r>
+              <a:rPr kumimoji="1" lang="en-US" altLang="ja-JP" sz="1800" dirty="0"/>
+              <a:t>SF</a:t>
+            </a:r>
+            <a:r>
               <a:rPr kumimoji="1" lang="ja-JP" altLang="en-US" sz="1800" dirty="0"/>
-              <a:t>ストーリーを楽しむキャンペーンモード</a:t>
-            </a:r>
-            <a:endParaRPr kumimoji="1" lang="en-US" altLang="ja-JP" sz="1800" dirty="0"/>
-          </a:p>
-          <a:p>
-            <a:pPr marL="0" indent="0">
-              <a:buNone/>
-            </a:pPr>
+              <a:t>チックな</a:t>
+            </a:r>
+            <a:r>
+              <a:rPr kumimoji="1" lang="en-US" altLang="ja-JP" sz="1800" dirty="0"/>
+              <a:t>BGM</a:t>
+            </a:r>
+          </a:p>
+          <a:p>
             <a:endParaRPr lang="en-US" altLang="ja-JP" sz="1800" dirty="0"/>
           </a:p>
           <a:p>
             <a:r>
               <a:rPr kumimoji="1" lang="ja-JP" altLang="en-US" sz="1800" dirty="0"/>
-              <a:t>純粋に戦いを楽しむバトルモード</a:t>
+              <a:t>効果音</a:t>
             </a:r>
           </a:p>
         </p:txBody>
@@ -5000,17 +5026,29 @@
     </p:spTree>
     <p:extLst>
       <p:ext uri="{BB962C8B-B14F-4D97-AF65-F5344CB8AC3E}">
-        <p14:creationId xmlns:p14="http://schemas.microsoft.com/office/powerpoint/2010/main" val="3122972301"/>
+        <p14:creationId xmlns:p14="http://schemas.microsoft.com/office/powerpoint/2010/main" val="1350597686"/>
       </p:ext>
     </p:extLst>
   </p:cSld>
   <p:clrMapOvr>
     <a:masterClrMapping/>
   </p:clrMapOvr>
+  <mc:AlternateContent xmlns:mc="http://schemas.openxmlformats.org/markup-compatibility/2006">
+    <mc:Choice xmlns:p14="http://schemas.microsoft.com/office/powerpoint/2010/main" Requires="p14">
+      <p:transition spd="med" p14:dur="700">
+        <p:fade/>
+      </p:transition>
+    </mc:Choice>
+    <mc:Fallback>
+      <p:transition spd="med">
+        <p:fade/>
+      </p:transition>
+    </mc:Fallback>
+  </mc:AlternateContent>
 </p:sld>
 </file>
 
-<file path=ppt/slides/slide4.xml><?xml version="1.0" encoding="utf-8"?>
+<file path=ppt/slides/slide12.xml><?xml version="1.0" encoding="utf-8"?>
 <p:sld xmlns:a="http://schemas.openxmlformats.org/drawingml/2006/main" xmlns:r="http://schemas.openxmlformats.org/officeDocument/2006/relationships" xmlns:p="http://schemas.openxmlformats.org/presentationml/2006/main">
   <p:cSld>
     <p:bg>
@@ -5545,7 +5583,7 @@
           <a:p>
             <a:r>
               <a:rPr kumimoji="1" lang="ja-JP" altLang="en-US" sz="4800" dirty="0"/>
-              <a:t>バトルモード</a:t>
+              <a:t>シナリオ募集要項（仮）</a:t>
             </a:r>
           </a:p>
         </p:txBody>
@@ -5580,51 +5618,432 @@
           <a:p>
             <a:r>
               <a:rPr kumimoji="1" lang="ja-JP" altLang="en-US" sz="1800" dirty="0"/>
-              <a:t>安心の</a:t>
+              <a:t>誰か　</a:t>
+            </a:r>
+            <a:endParaRPr kumimoji="1" lang="en-US" altLang="ja-JP" sz="1800" dirty="0"/>
+          </a:p>
+          <a:p>
+            <a:endParaRPr lang="en-US" altLang="ja-JP" sz="1800" dirty="0"/>
+          </a:p>
+          <a:p>
+            <a:pPr marL="0" indent="0">
+              <a:buNone/>
+            </a:pPr>
+            <a:r>
+              <a:rPr lang="ja-JP" altLang="en-US" sz="1800" dirty="0"/>
+              <a:t>　</a:t>
+            </a:r>
+            <a:r>
+              <a:rPr kumimoji="1" lang="ja-JP" altLang="en-US" sz="1800" dirty="0"/>
+              <a:t>鶏野を</a:t>
+            </a:r>
+            <a:endParaRPr kumimoji="1" lang="en-US" altLang="ja-JP" sz="1800" dirty="0"/>
+          </a:p>
+          <a:p>
+            <a:endParaRPr lang="en-US" altLang="ja-JP" sz="1800" dirty="0"/>
+          </a:p>
+          <a:p>
+            <a:pPr marL="0" indent="0">
+              <a:buNone/>
+            </a:pPr>
+            <a:r>
+              <a:rPr kumimoji="1" lang="ja-JP" altLang="en-US" sz="1800" dirty="0"/>
+              <a:t>　タスケテ</a:t>
             </a:r>
             <a:r>
               <a:rPr kumimoji="1" lang="en-US" altLang="ja-JP" sz="1800" dirty="0"/>
-              <a:t>CPU</a:t>
-            </a:r>
-            <a:r>
-              <a:rPr kumimoji="1" lang="ja-JP" altLang="en-US" sz="1800" dirty="0"/>
-              <a:t>対戦！</a:t>
-            </a:r>
-            <a:endParaRPr kumimoji="1" lang="en-US" altLang="ja-JP" sz="1800" dirty="0"/>
-          </a:p>
-          <a:p>
-            <a:endParaRPr lang="en-US" altLang="ja-JP" sz="1800" dirty="0"/>
-          </a:p>
-          <a:p>
-            <a:r>
-              <a:rPr kumimoji="1" lang="ja-JP" altLang="en-US" sz="1800" dirty="0"/>
-              <a:t>戦艦を</a:t>
-            </a:r>
-            <a:r>
-              <a:rPr kumimoji="1" lang="ja-JP" altLang="en-US" sz="1800" dirty="0" err="1"/>
-              <a:t>ぼ</a:t>
-            </a:r>
-            <a:r>
-              <a:rPr kumimoji="1" lang="ja-JP" altLang="en-US" sz="1800" dirty="0"/>
-              <a:t>うけんのしょ的なコードに変換し、コードを入力した二つの戦艦で対戦！</a:t>
-            </a:r>
+              <a:t>…</a:t>
+            </a:r>
+            <a:endParaRPr kumimoji="1" lang="ja-JP" altLang="en-US" sz="1800" dirty="0"/>
           </a:p>
         </p:txBody>
       </p:sp>
     </p:spTree>
     <p:extLst>
       <p:ext uri="{BB962C8B-B14F-4D97-AF65-F5344CB8AC3E}">
-        <p14:creationId xmlns:p14="http://schemas.microsoft.com/office/powerpoint/2010/main" val="333640330"/>
+        <p14:creationId xmlns:p14="http://schemas.microsoft.com/office/powerpoint/2010/main" val="4021737077"/>
       </p:ext>
     </p:extLst>
   </p:cSld>
   <p:clrMapOvr>
     <a:masterClrMapping/>
   </p:clrMapOvr>
+  <mc:AlternateContent xmlns:mc="http://schemas.openxmlformats.org/markup-compatibility/2006">
+    <mc:Choice xmlns:p14="http://schemas.microsoft.com/office/powerpoint/2010/main" Requires="p14">
+      <p:transition spd="med" p14:dur="700">
+        <p:fade/>
+      </p:transition>
+    </mc:Choice>
+    <mc:Fallback>
+      <p:transition spd="med">
+        <p:fade/>
+      </p:transition>
+    </mc:Fallback>
+  </mc:AlternateContent>
+  <p:timing>
+    <p:tnLst>
+      <p:par>
+        <p:cTn id="1" dur="indefinite" restart="never" nodeType="tmRoot">
+          <p:childTnLst>
+            <p:seq concurrent="1" nextAc="seek">
+              <p:cTn id="2" dur="indefinite" nodeType="mainSeq">
+                <p:childTnLst>
+                  <p:par>
+                    <p:cTn id="3" fill="hold">
+                      <p:stCondLst>
+                        <p:cond delay="indefinite"/>
+                      </p:stCondLst>
+                      <p:childTnLst>
+                        <p:par>
+                          <p:cTn id="4" fill="hold">
+                            <p:stCondLst>
+                              <p:cond delay="0"/>
+                            </p:stCondLst>
+                            <p:childTnLst>
+                              <p:par>
+                                <p:cTn id="5" presetID="42" presetClass="entr" presetSubtype="0" fill="hold" grpId="0" nodeType="clickEffect">
+                                  <p:stCondLst>
+                                    <p:cond delay="0"/>
+                                  </p:stCondLst>
+                                  <p:childTnLst>
+                                    <p:set>
+                                      <p:cBhvr>
+                                        <p:cTn id="6" dur="1" fill="hold">
+                                          <p:stCondLst>
+                                            <p:cond delay="0"/>
+                                          </p:stCondLst>
+                                        </p:cTn>
+                                        <p:tgtEl>
+                                          <p:spTgt spid="3">
+                                            <p:txEl>
+                                              <p:pRg st="0" end="0"/>
+                                            </p:txEl>
+                                          </p:spTgt>
+                                        </p:tgtEl>
+                                        <p:attrNameLst>
+                                          <p:attrName>style.visibility</p:attrName>
+                                        </p:attrNameLst>
+                                      </p:cBhvr>
+                                      <p:to>
+                                        <p:strVal val="visible"/>
+                                      </p:to>
+                                    </p:set>
+                                    <p:animEffect transition="in" filter="fade">
+                                      <p:cBhvr>
+                                        <p:cTn id="7" dur="1000"/>
+                                        <p:tgtEl>
+                                          <p:spTgt spid="3">
+                                            <p:txEl>
+                                              <p:pRg st="0" end="0"/>
+                                            </p:txEl>
+                                          </p:spTgt>
+                                        </p:tgtEl>
+                                      </p:cBhvr>
+                                    </p:animEffect>
+                                    <p:anim calcmode="lin" valueType="num">
+                                      <p:cBhvr>
+                                        <p:cTn id="8" dur="1000" fill="hold"/>
+                                        <p:tgtEl>
+                                          <p:spTgt spid="3">
+                                            <p:txEl>
+                                              <p:pRg st="0" end="0"/>
+                                            </p:txEl>
+                                          </p:spTgt>
+                                        </p:tgtEl>
+                                        <p:attrNameLst>
+                                          <p:attrName>ppt_x</p:attrName>
+                                        </p:attrNameLst>
+                                      </p:cBhvr>
+                                      <p:tavLst>
+                                        <p:tav tm="0">
+                                          <p:val>
+                                            <p:strVal val="#ppt_x"/>
+                                          </p:val>
+                                        </p:tav>
+                                        <p:tav tm="100000">
+                                          <p:val>
+                                            <p:strVal val="#ppt_x"/>
+                                          </p:val>
+                                        </p:tav>
+                                      </p:tavLst>
+                                    </p:anim>
+                                    <p:anim calcmode="lin" valueType="num">
+                                      <p:cBhvr>
+                                        <p:cTn id="9" dur="1000" fill="hold"/>
+                                        <p:tgtEl>
+                                          <p:spTgt spid="3">
+                                            <p:txEl>
+                                              <p:pRg st="0" end="0"/>
+                                            </p:txEl>
+                                          </p:spTgt>
+                                        </p:tgtEl>
+                                        <p:attrNameLst>
+                                          <p:attrName>ppt_y</p:attrName>
+                                        </p:attrNameLst>
+                                      </p:cBhvr>
+                                      <p:tavLst>
+                                        <p:tav tm="0">
+                                          <p:val>
+                                            <p:strVal val="#ppt_y+.1"/>
+                                          </p:val>
+                                        </p:tav>
+                                        <p:tav tm="100000">
+                                          <p:val>
+                                            <p:strVal val="#ppt_y"/>
+                                          </p:val>
+                                        </p:tav>
+                                      </p:tavLst>
+                                    </p:anim>
+                                  </p:childTnLst>
+                                </p:cTn>
+                              </p:par>
+                            </p:childTnLst>
+                          </p:cTn>
+                        </p:par>
+                        <p:par>
+                          <p:cTn id="10" fill="hold">
+                            <p:stCondLst>
+                              <p:cond delay="1000"/>
+                            </p:stCondLst>
+                            <p:childTnLst>
+                              <p:par>
+                                <p:cTn id="11" presetID="42" presetClass="entr" presetSubtype="0" fill="hold" grpId="0" nodeType="afterEffect">
+                                  <p:stCondLst>
+                                    <p:cond delay="0"/>
+                                  </p:stCondLst>
+                                  <p:childTnLst>
+                                    <p:set>
+                                      <p:cBhvr>
+                                        <p:cTn id="12" dur="1" fill="hold">
+                                          <p:stCondLst>
+                                            <p:cond delay="0"/>
+                                          </p:stCondLst>
+                                        </p:cTn>
+                                        <p:tgtEl>
+                                          <p:spTgt spid="3">
+                                            <p:txEl>
+                                              <p:pRg st="2" end="2"/>
+                                            </p:txEl>
+                                          </p:spTgt>
+                                        </p:tgtEl>
+                                        <p:attrNameLst>
+                                          <p:attrName>style.visibility</p:attrName>
+                                        </p:attrNameLst>
+                                      </p:cBhvr>
+                                      <p:to>
+                                        <p:strVal val="visible"/>
+                                      </p:to>
+                                    </p:set>
+                                    <p:animEffect transition="in" filter="fade">
+                                      <p:cBhvr>
+                                        <p:cTn id="13" dur="1000"/>
+                                        <p:tgtEl>
+                                          <p:spTgt spid="3">
+                                            <p:txEl>
+                                              <p:pRg st="2" end="2"/>
+                                            </p:txEl>
+                                          </p:spTgt>
+                                        </p:tgtEl>
+                                      </p:cBhvr>
+                                    </p:animEffect>
+                                    <p:anim calcmode="lin" valueType="num">
+                                      <p:cBhvr>
+                                        <p:cTn id="14" dur="1000" fill="hold"/>
+                                        <p:tgtEl>
+                                          <p:spTgt spid="3">
+                                            <p:txEl>
+                                              <p:pRg st="2" end="2"/>
+                                            </p:txEl>
+                                          </p:spTgt>
+                                        </p:tgtEl>
+                                        <p:attrNameLst>
+                                          <p:attrName>ppt_x</p:attrName>
+                                        </p:attrNameLst>
+                                      </p:cBhvr>
+                                      <p:tavLst>
+                                        <p:tav tm="0">
+                                          <p:val>
+                                            <p:strVal val="#ppt_x"/>
+                                          </p:val>
+                                        </p:tav>
+                                        <p:tav tm="100000">
+                                          <p:val>
+                                            <p:strVal val="#ppt_x"/>
+                                          </p:val>
+                                        </p:tav>
+                                      </p:tavLst>
+                                    </p:anim>
+                                    <p:anim calcmode="lin" valueType="num">
+                                      <p:cBhvr>
+                                        <p:cTn id="15" dur="1000" fill="hold"/>
+                                        <p:tgtEl>
+                                          <p:spTgt spid="3">
+                                            <p:txEl>
+                                              <p:pRg st="2" end="2"/>
+                                            </p:txEl>
+                                          </p:spTgt>
+                                        </p:tgtEl>
+                                        <p:attrNameLst>
+                                          <p:attrName>ppt_y</p:attrName>
+                                        </p:attrNameLst>
+                                      </p:cBhvr>
+                                      <p:tavLst>
+                                        <p:tav tm="0">
+                                          <p:val>
+                                            <p:strVal val="#ppt_y+.1"/>
+                                          </p:val>
+                                        </p:tav>
+                                        <p:tav tm="100000">
+                                          <p:val>
+                                            <p:strVal val="#ppt_y"/>
+                                          </p:val>
+                                        </p:tav>
+                                      </p:tavLst>
+                                    </p:anim>
+                                  </p:childTnLst>
+                                </p:cTn>
+                              </p:par>
+                            </p:childTnLst>
+                          </p:cTn>
+                        </p:par>
+                        <p:par>
+                          <p:cTn id="16" fill="hold">
+                            <p:stCondLst>
+                              <p:cond delay="2000"/>
+                            </p:stCondLst>
+                            <p:childTnLst>
+                              <p:par>
+                                <p:cTn id="17" presetID="42" presetClass="entr" presetSubtype="0" fill="hold" grpId="0" nodeType="afterEffect">
+                                  <p:stCondLst>
+                                    <p:cond delay="0"/>
+                                  </p:stCondLst>
+                                  <p:childTnLst>
+                                    <p:set>
+                                      <p:cBhvr>
+                                        <p:cTn id="18" dur="1" fill="hold">
+                                          <p:stCondLst>
+                                            <p:cond delay="0"/>
+                                          </p:stCondLst>
+                                        </p:cTn>
+                                        <p:tgtEl>
+                                          <p:spTgt spid="3">
+                                            <p:txEl>
+                                              <p:pRg st="4" end="4"/>
+                                            </p:txEl>
+                                          </p:spTgt>
+                                        </p:tgtEl>
+                                        <p:attrNameLst>
+                                          <p:attrName>style.visibility</p:attrName>
+                                        </p:attrNameLst>
+                                      </p:cBhvr>
+                                      <p:to>
+                                        <p:strVal val="visible"/>
+                                      </p:to>
+                                    </p:set>
+                                    <p:animEffect transition="in" filter="fade">
+                                      <p:cBhvr>
+                                        <p:cTn id="19" dur="1000"/>
+                                        <p:tgtEl>
+                                          <p:spTgt spid="3">
+                                            <p:txEl>
+                                              <p:pRg st="4" end="4"/>
+                                            </p:txEl>
+                                          </p:spTgt>
+                                        </p:tgtEl>
+                                      </p:cBhvr>
+                                    </p:animEffect>
+                                    <p:anim calcmode="lin" valueType="num">
+                                      <p:cBhvr>
+                                        <p:cTn id="20" dur="1000" fill="hold"/>
+                                        <p:tgtEl>
+                                          <p:spTgt spid="3">
+                                            <p:txEl>
+                                              <p:pRg st="4" end="4"/>
+                                            </p:txEl>
+                                          </p:spTgt>
+                                        </p:tgtEl>
+                                        <p:attrNameLst>
+                                          <p:attrName>ppt_x</p:attrName>
+                                        </p:attrNameLst>
+                                      </p:cBhvr>
+                                      <p:tavLst>
+                                        <p:tav tm="0">
+                                          <p:val>
+                                            <p:strVal val="#ppt_x"/>
+                                          </p:val>
+                                        </p:tav>
+                                        <p:tav tm="100000">
+                                          <p:val>
+                                            <p:strVal val="#ppt_x"/>
+                                          </p:val>
+                                        </p:tav>
+                                      </p:tavLst>
+                                    </p:anim>
+                                    <p:anim calcmode="lin" valueType="num">
+                                      <p:cBhvr>
+                                        <p:cTn id="21" dur="1000" fill="hold"/>
+                                        <p:tgtEl>
+                                          <p:spTgt spid="3">
+                                            <p:txEl>
+                                              <p:pRg st="4" end="4"/>
+                                            </p:txEl>
+                                          </p:spTgt>
+                                        </p:tgtEl>
+                                        <p:attrNameLst>
+                                          <p:attrName>ppt_y</p:attrName>
+                                        </p:attrNameLst>
+                                      </p:cBhvr>
+                                      <p:tavLst>
+                                        <p:tav tm="0">
+                                          <p:val>
+                                            <p:strVal val="#ppt_y+.1"/>
+                                          </p:val>
+                                        </p:tav>
+                                        <p:tav tm="100000">
+                                          <p:val>
+                                            <p:strVal val="#ppt_y"/>
+                                          </p:val>
+                                        </p:tav>
+                                      </p:tavLst>
+                                    </p:anim>
+                                  </p:childTnLst>
+                                </p:cTn>
+                              </p:par>
+                            </p:childTnLst>
+                          </p:cTn>
+                        </p:par>
+                      </p:childTnLst>
+                    </p:cTn>
+                  </p:par>
+                </p:childTnLst>
+              </p:cTn>
+              <p:prevCondLst>
+                <p:cond evt="onPrev" delay="0">
+                  <p:tgtEl>
+                    <p:sldTgt/>
+                  </p:tgtEl>
+                </p:cond>
+              </p:prevCondLst>
+              <p:nextCondLst>
+                <p:cond evt="onNext" delay="0">
+                  <p:tgtEl>
+                    <p:sldTgt/>
+                  </p:tgtEl>
+                </p:cond>
+              </p:nextCondLst>
+            </p:seq>
+          </p:childTnLst>
+        </p:cTn>
+      </p:par>
+    </p:tnLst>
+    <p:bldLst>
+      <p:bldP spid="3" grpId="0" uiExpand="1" build="p"/>
+    </p:bldLst>
+  </p:timing>
 </p:sld>
 </file>
 
-<file path=ppt/slides/slide5.xml><?xml version="1.0" encoding="utf-8"?>
+<file path=ppt/slides/slide13.xml><?xml version="1.0" encoding="utf-8"?>
 <p:sld xmlns:a="http://schemas.openxmlformats.org/drawingml/2006/main" xmlns:r="http://schemas.openxmlformats.org/officeDocument/2006/relationships" xmlns:p="http://schemas.openxmlformats.org/presentationml/2006/main">
   <p:cSld>
     <p:bg>
@@ -6148,7 +6567,7 @@
         <p:spPr>
           <a:xfrm>
             <a:off x="640079" y="4526280"/>
-            <a:ext cx="7410681" cy="1737360"/>
+            <a:ext cx="8956408" cy="1737360"/>
           </a:xfrm>
         </p:spPr>
         <p:txBody>
@@ -6159,7 +6578,7 @@
           <a:p>
             <a:r>
               <a:rPr kumimoji="1" lang="ja-JP" altLang="en-US" sz="4800" dirty="0"/>
-              <a:t>現在のメンバー</a:t>
+              <a:t>ご清聴ありがとうございました</a:t>
             </a:r>
           </a:p>
         </p:txBody>
@@ -6192,145 +6611,36 @@
           </a:bodyPr>
           <a:lstStyle/>
           <a:p>
-            <a:pPr marL="0" indent="0">
-              <a:buNone/>
-            </a:pPr>
-            <a:r>
-              <a:rPr kumimoji="1" lang="ja-JP" altLang="en-US" sz="1800" dirty="0"/>
-              <a:t>鶏野</a:t>
-            </a:r>
-            <a:r>
-              <a:rPr lang="ja-JP" altLang="en-US" sz="1800" dirty="0"/>
-              <a:t>（</a:t>
-            </a:r>
-            <a:r>
-              <a:rPr lang="en-US" altLang="ja-JP" sz="1800" dirty="0"/>
-              <a:t>52</a:t>
-            </a:r>
-            <a:r>
-              <a:rPr lang="ja-JP" altLang="en-US" sz="1800" dirty="0"/>
-              <a:t>代）</a:t>
-            </a:r>
-            <a:endParaRPr lang="en-US" altLang="ja-JP" sz="1800" dirty="0"/>
-          </a:p>
-          <a:p>
-            <a:pPr marL="0" indent="0">
-              <a:buNone/>
-            </a:pPr>
-            <a:r>
-              <a:rPr kumimoji="1" lang="en-US" altLang="ja-JP" sz="1800" dirty="0" err="1"/>
-              <a:t>takowasabi</a:t>
-            </a:r>
-            <a:r>
-              <a:rPr kumimoji="1" lang="ja-JP" altLang="en-US" sz="1800" dirty="0"/>
-              <a:t>（</a:t>
-            </a:r>
-            <a:r>
-              <a:rPr kumimoji="1" lang="en-US" altLang="ja-JP" sz="1800" dirty="0"/>
-              <a:t>52</a:t>
-            </a:r>
-            <a:r>
-              <a:rPr kumimoji="1" lang="ja-JP" altLang="en-US" sz="1800" dirty="0"/>
-              <a:t>代）</a:t>
-            </a:r>
-            <a:endParaRPr kumimoji="1" lang="en-US" altLang="ja-JP" sz="1800" dirty="0"/>
-          </a:p>
-          <a:p>
-            <a:pPr marL="0" indent="0">
-              <a:buNone/>
-            </a:pPr>
-            <a:r>
-              <a:rPr kumimoji="1" lang="en-US" altLang="ja-JP" sz="1800" dirty="0" err="1"/>
-              <a:t>momok</a:t>
-            </a:r>
-            <a:r>
-              <a:rPr lang="ja-JP" altLang="en-US" sz="1800" dirty="0"/>
-              <a:t> （</a:t>
-            </a:r>
-            <a:r>
-              <a:rPr lang="en-US" altLang="ja-JP" sz="1800" dirty="0"/>
-              <a:t>52</a:t>
-            </a:r>
-            <a:r>
-              <a:rPr lang="ja-JP" altLang="en-US" sz="1800" dirty="0"/>
-              <a:t>代）</a:t>
-            </a:r>
-            <a:endParaRPr lang="en-US" altLang="ja-JP" sz="1800" dirty="0"/>
-          </a:p>
-          <a:p>
-            <a:pPr marL="0" indent="0">
-              <a:buNone/>
-            </a:pPr>
-            <a:r>
-              <a:rPr kumimoji="1" lang="ja-JP" altLang="en-US" sz="1800" dirty="0"/>
-              <a:t>ささくな</a:t>
-            </a:r>
-            <a:r>
-              <a:rPr lang="ja-JP" altLang="en-US" sz="1800" dirty="0"/>
-              <a:t>（</a:t>
-            </a:r>
-            <a:r>
-              <a:rPr lang="en-US" altLang="ja-JP" sz="1800" dirty="0"/>
-              <a:t>52</a:t>
-            </a:r>
-            <a:r>
-              <a:rPr lang="ja-JP" altLang="en-US" sz="1800" dirty="0"/>
-              <a:t>代）</a:t>
-            </a:r>
-            <a:endParaRPr kumimoji="1" lang="en-US" altLang="ja-JP" sz="1800" dirty="0"/>
-          </a:p>
-          <a:p>
-            <a:pPr marL="0" indent="0">
-              <a:buNone/>
-            </a:pPr>
-            <a:r>
-              <a:rPr lang="ja-JP" altLang="en-US" sz="1800" dirty="0"/>
-              <a:t>しをん（</a:t>
-            </a:r>
-            <a:r>
-              <a:rPr lang="en-US" altLang="ja-JP" sz="1800" dirty="0"/>
-              <a:t>52</a:t>
-            </a:r>
-            <a:r>
-              <a:rPr lang="ja-JP" altLang="en-US" sz="1800" dirty="0"/>
-              <a:t>代）</a:t>
-            </a:r>
-            <a:endParaRPr lang="en-US" altLang="ja-JP" sz="1800" dirty="0"/>
-          </a:p>
-          <a:p>
-            <a:pPr marL="0" indent="0">
-              <a:buNone/>
-            </a:pPr>
-            <a:r>
-              <a:rPr lang="ja-JP" altLang="en-US" sz="1800" dirty="0"/>
-              <a:t>すしぐま（</a:t>
-            </a:r>
-            <a:r>
-              <a:rPr lang="en-US" altLang="ja-JP" sz="1800" dirty="0"/>
-              <a:t>52</a:t>
-            </a:r>
-            <a:r>
-              <a:rPr lang="ja-JP" altLang="en-US" sz="1800" dirty="0"/>
-              <a:t>代）</a:t>
-            </a:r>
-            <a:endParaRPr kumimoji="1" lang="ja-JP" altLang="en-US" sz="1800" dirty="0"/>
+            <a:endParaRPr kumimoji="1" lang="ja-JP" altLang="en-US" sz="1800"/>
           </a:p>
         </p:txBody>
       </p:sp>
     </p:spTree>
     <p:extLst>
       <p:ext uri="{BB962C8B-B14F-4D97-AF65-F5344CB8AC3E}">
-        <p14:creationId xmlns:p14="http://schemas.microsoft.com/office/powerpoint/2010/main" val="3681577912"/>
+        <p14:creationId xmlns:p14="http://schemas.microsoft.com/office/powerpoint/2010/main" val="2395787041"/>
       </p:ext>
     </p:extLst>
   </p:cSld>
   <p:clrMapOvr>
     <a:masterClrMapping/>
   </p:clrMapOvr>
+  <mc:AlternateContent xmlns:mc="http://schemas.openxmlformats.org/markup-compatibility/2006">
+    <mc:Choice xmlns:p14="http://schemas.microsoft.com/office/powerpoint/2010/main" Requires="p14">
+      <p:transition spd="med" p14:dur="700">
+        <p:fade/>
+      </p:transition>
+    </mc:Choice>
+    <mc:Fallback>
+      <p:transition spd="med">
+        <p:fade/>
+      </p:transition>
+    </mc:Fallback>
+  </mc:AlternateContent>
 </p:sld>
 </file>
 
-<file path=ppt/slides/slide6.xml><?xml version="1.0" encoding="utf-8"?>
+<file path=ppt/slides/slide2.xml><?xml version="1.0" encoding="utf-8"?>
 <p:sld xmlns:a="http://schemas.openxmlformats.org/drawingml/2006/main" xmlns:r="http://schemas.openxmlformats.org/officeDocument/2006/relationships" xmlns:p="http://schemas.openxmlformats.org/presentationml/2006/main">
   <p:cSld>
     <p:bg>
@@ -6865,7 +7175,7 @@
           <a:p>
             <a:r>
               <a:rPr kumimoji="1" lang="ja-JP" altLang="en-US" sz="4800" dirty="0"/>
-              <a:t>募集メンバー</a:t>
+              <a:t>ゲームシステム</a:t>
             </a:r>
           </a:p>
         </p:txBody>
@@ -6899,58 +7209,59 @@
           <a:lstStyle/>
           <a:p>
             <a:r>
+              <a:rPr lang="ja-JP" altLang="en-US" sz="1800" dirty="0"/>
+              <a:t>戦艦のパーツをカスタマイズ！</a:t>
+            </a:r>
+            <a:endParaRPr lang="en-US" altLang="ja-JP" sz="1800" dirty="0"/>
+          </a:p>
+          <a:p>
+            <a:endParaRPr lang="en-US" altLang="ja-JP" sz="1800" dirty="0"/>
+          </a:p>
+          <a:p>
+            <a:r>
               <a:rPr kumimoji="1" lang="ja-JP" altLang="en-US" sz="1800" dirty="0"/>
-              <a:t>プログラマー</a:t>
+              <a:t>戦艦の動きもカスタマイズ可能！</a:t>
             </a:r>
             <a:endParaRPr kumimoji="1" lang="en-US" altLang="ja-JP" sz="1800" dirty="0"/>
           </a:p>
           <a:p>
-            <a:pPr marL="0" indent="0">
-              <a:buNone/>
-            </a:pPr>
-            <a:r>
-              <a:rPr lang="ja-JP" altLang="en-US" sz="1800" dirty="0"/>
-              <a:t>　　いくらでも募集！</a:t>
-            </a:r>
             <a:endParaRPr kumimoji="1" lang="en-US" altLang="ja-JP" sz="1800" dirty="0"/>
           </a:p>
           <a:p>
             <a:r>
-              <a:rPr lang="ja-JP" altLang="en-US" sz="1800" dirty="0"/>
-              <a:t>グラフィック</a:t>
-            </a:r>
-            <a:endParaRPr lang="en-US" altLang="ja-JP" sz="1800" dirty="0"/>
-          </a:p>
-          <a:p>
-            <a:r>
               <a:rPr kumimoji="1" lang="ja-JP" altLang="en-US" sz="1800" dirty="0"/>
-              <a:t>ミュージック</a:t>
+              <a:t>あらかじめカスタマイズした通りに戦艦バトル！</a:t>
             </a:r>
             <a:endParaRPr kumimoji="1" lang="en-US" altLang="ja-JP" sz="1800" dirty="0"/>
-          </a:p>
-          <a:p>
-            <a:r>
-              <a:rPr lang="ja-JP" altLang="en-US" sz="1800" dirty="0"/>
-              <a:t>シナリオ</a:t>
-            </a:r>
-            <a:endParaRPr kumimoji="1" lang="ja-JP" altLang="en-US" sz="1800" dirty="0"/>
           </a:p>
         </p:txBody>
       </p:sp>
     </p:spTree>
     <p:extLst>
       <p:ext uri="{BB962C8B-B14F-4D97-AF65-F5344CB8AC3E}">
-        <p14:creationId xmlns:p14="http://schemas.microsoft.com/office/powerpoint/2010/main" val="1440111385"/>
+        <p14:creationId xmlns:p14="http://schemas.microsoft.com/office/powerpoint/2010/main" val="4022364362"/>
       </p:ext>
     </p:extLst>
   </p:cSld>
   <p:clrMapOvr>
     <a:masterClrMapping/>
   </p:clrMapOvr>
+  <mc:AlternateContent xmlns:mc="http://schemas.openxmlformats.org/markup-compatibility/2006">
+    <mc:Choice xmlns:p14="http://schemas.microsoft.com/office/powerpoint/2010/main" Requires="p14">
+      <p:transition spd="med" p14:dur="700">
+        <p:fade/>
+      </p:transition>
+    </mc:Choice>
+    <mc:Fallback>
+      <p:transition spd="med">
+        <p:fade/>
+      </p:transition>
+    </mc:Fallback>
+  </mc:AlternateContent>
 </p:sld>
 </file>
 
-<file path=ppt/slides/slide7.xml><?xml version="1.0" encoding="utf-8"?>
+<file path=ppt/slides/slide3.xml><?xml version="1.0" encoding="utf-8"?>
 <p:sld xmlns:a="http://schemas.openxmlformats.org/drawingml/2006/main" xmlns:r="http://schemas.openxmlformats.org/officeDocument/2006/relationships" xmlns:p="http://schemas.openxmlformats.org/presentationml/2006/main">
   <p:cSld>
     <p:bg>
@@ -7485,7 +7796,7 @@
           <a:p>
             <a:r>
               <a:rPr kumimoji="1" lang="ja-JP" altLang="en-US" sz="4800" dirty="0"/>
-              <a:t>プログラマー募集要項</a:t>
+              <a:t>二つのゲームモード</a:t>
             </a:r>
           </a:p>
         </p:txBody>
@@ -7520,114 +7831,50 @@
           <a:p>
             <a:r>
               <a:rPr kumimoji="1" lang="ja-JP" altLang="en-US" sz="1800" dirty="0"/>
-              <a:t>開発環境は</a:t>
-            </a:r>
-            <a:r>
-              <a:rPr kumimoji="1" lang="en-US" altLang="ja-JP" sz="1800" dirty="0"/>
-              <a:t>DX</a:t>
-            </a:r>
+              <a:t>ストーリーを楽しむキャンペーンモード</a:t>
+            </a:r>
+            <a:endParaRPr kumimoji="1" lang="en-US" altLang="ja-JP" sz="1800" dirty="0"/>
+          </a:p>
+          <a:p>
+            <a:pPr marL="0" indent="0">
+              <a:buNone/>
+            </a:pPr>
+            <a:endParaRPr lang="en-US" altLang="ja-JP" sz="1800" dirty="0"/>
+          </a:p>
+          <a:p>
             <a:r>
               <a:rPr kumimoji="1" lang="ja-JP" altLang="en-US" sz="1800" dirty="0"/>
-              <a:t>ライブラリ</a:t>
-            </a:r>
-            <a:r>
-              <a:rPr lang="ja-JP" altLang="en-US" sz="1800" dirty="0"/>
-              <a:t>！</a:t>
-            </a:r>
-            <a:endParaRPr lang="en-US" altLang="ja-JP" sz="1800" dirty="0"/>
-          </a:p>
-          <a:p>
-            <a:pPr marL="0" indent="0">
-              <a:buNone/>
-            </a:pPr>
-            <a:r>
-              <a:rPr kumimoji="1" lang="ja-JP" altLang="en-US" sz="1800" dirty="0"/>
-              <a:t>　</a:t>
-            </a:r>
-            <a:r>
-              <a:rPr kumimoji="1" lang="en-US" altLang="ja-JP" sz="1800" dirty="0"/>
-              <a:t>Visual Studio 2017</a:t>
-            </a:r>
-            <a:r>
-              <a:rPr kumimoji="1" lang="ja-JP" altLang="en-US" sz="1800" dirty="0" err="1"/>
-              <a:t>、</a:t>
-            </a:r>
-            <a:r>
-              <a:rPr kumimoji="1" lang="en-US" altLang="ja-JP" sz="1800" dirty="0"/>
-              <a:t>GitHub</a:t>
-            </a:r>
-            <a:r>
-              <a:rPr kumimoji="1" lang="ja-JP" altLang="en-US" sz="1800" dirty="0"/>
-              <a:t>等々</a:t>
-            </a:r>
-            <a:endParaRPr kumimoji="1" lang="en-US" altLang="ja-JP" sz="1800" dirty="0"/>
-          </a:p>
-          <a:p>
-            <a:pPr marL="0" indent="0">
-              <a:buNone/>
-            </a:pPr>
-            <a:r>
-              <a:rPr lang="ja-JP" altLang="en-US" sz="1800" dirty="0"/>
-              <a:t>　使用言語は</a:t>
-            </a:r>
-            <a:r>
-              <a:rPr lang="en-US" altLang="ja-JP" sz="1800" dirty="0"/>
-              <a:t>C++</a:t>
-            </a:r>
-            <a:endParaRPr kumimoji="1" lang="en-US" altLang="ja-JP" sz="1800" dirty="0"/>
-          </a:p>
-          <a:p>
-            <a:endParaRPr lang="en-US" altLang="ja-JP" sz="1800" dirty="0"/>
-          </a:p>
-          <a:p>
-            <a:r>
-              <a:rPr lang="ja-JP" altLang="en-US" sz="1800" dirty="0"/>
-              <a:t>活動日には勉強会も！</a:t>
-            </a:r>
-            <a:endParaRPr lang="en-US" altLang="ja-JP" sz="1800" dirty="0"/>
-          </a:p>
-          <a:p>
-            <a:pPr marL="0" indent="0">
-              <a:buNone/>
-            </a:pPr>
-            <a:r>
-              <a:rPr lang="ja-JP" altLang="en-US" sz="1800" dirty="0"/>
-              <a:t>　企画のコードを中心に、</a:t>
-            </a:r>
-            <a:r>
-              <a:rPr lang="en-US" altLang="ja-JP" sz="1800" dirty="0"/>
-              <a:t>C++</a:t>
-            </a:r>
-            <a:r>
-              <a:rPr lang="ja-JP" altLang="en-US" sz="1800" dirty="0"/>
-              <a:t>や</a:t>
-            </a:r>
-            <a:r>
-              <a:rPr lang="en-US" altLang="ja-JP" sz="1800" dirty="0"/>
-              <a:t>DX</a:t>
-            </a:r>
-            <a:r>
-              <a:rPr lang="ja-JP" altLang="en-US" sz="1800" dirty="0"/>
-              <a:t>ライブラリなどの知識を学ぶことが出来る</a:t>
-            </a:r>
-            <a:endParaRPr lang="en-US" altLang="ja-JP" sz="1800" dirty="0"/>
+              <a:t>純粋に戦いを楽しむバトルモード</a:t>
+            </a:r>
           </a:p>
         </p:txBody>
       </p:sp>
     </p:spTree>
     <p:extLst>
       <p:ext uri="{BB962C8B-B14F-4D97-AF65-F5344CB8AC3E}">
-        <p14:creationId xmlns:p14="http://schemas.microsoft.com/office/powerpoint/2010/main" val="3211537212"/>
+        <p14:creationId xmlns:p14="http://schemas.microsoft.com/office/powerpoint/2010/main" val="3122972301"/>
       </p:ext>
     </p:extLst>
   </p:cSld>
   <p:clrMapOvr>
     <a:masterClrMapping/>
   </p:clrMapOvr>
+  <mc:AlternateContent xmlns:mc="http://schemas.openxmlformats.org/markup-compatibility/2006">
+    <mc:Choice xmlns:p14="http://schemas.microsoft.com/office/powerpoint/2010/main" Requires="p14">
+      <p:transition spd="med" p14:dur="700">
+        <p:fade/>
+      </p:transition>
+    </mc:Choice>
+    <mc:Fallback>
+      <p:transition spd="med">
+        <p:fade/>
+      </p:transition>
+    </mc:Fallback>
+  </mc:AlternateContent>
 </p:sld>
 </file>
 
-<file path=ppt/slides/slide8.xml><?xml version="1.0" encoding="utf-8"?>
+<file path=ppt/slides/slide4.xml><?xml version="1.0" encoding="utf-8"?>
 <p:sld xmlns:a="http://schemas.openxmlformats.org/drawingml/2006/main" xmlns:r="http://schemas.openxmlformats.org/officeDocument/2006/relationships" xmlns:p="http://schemas.openxmlformats.org/presentationml/2006/main">
   <p:cSld>
     <p:bg>
@@ -8162,7 +8409,7 @@
           <a:p>
             <a:r>
               <a:rPr kumimoji="1" lang="ja-JP" altLang="en-US" sz="4800" dirty="0"/>
-              <a:t>プログラマー募集要項</a:t>
+              <a:t>バトルモード</a:t>
             </a:r>
           </a:p>
         </p:txBody>
@@ -8196,37 +8443,64 @@
           <a:lstStyle/>
           <a:p>
             <a:r>
-              <a:rPr lang="ja-JP" altLang="en-US" sz="1800" dirty="0"/>
-              <a:t>他企画との兼任推奨</a:t>
-            </a:r>
+              <a:rPr kumimoji="1" lang="ja-JP" altLang="en-US" sz="1800" dirty="0"/>
+              <a:t>安心の</a:t>
+            </a:r>
+            <a:r>
+              <a:rPr kumimoji="1" lang="en-US" altLang="ja-JP" sz="1800" dirty="0"/>
+              <a:t>CPU</a:t>
+            </a:r>
+            <a:r>
+              <a:rPr kumimoji="1" lang="ja-JP" altLang="en-US" sz="1800" dirty="0"/>
+              <a:t>対戦！</a:t>
+            </a:r>
+            <a:endParaRPr kumimoji="1" lang="en-US" altLang="ja-JP" sz="1800" dirty="0"/>
+          </a:p>
+          <a:p>
             <a:endParaRPr lang="en-US" altLang="ja-JP" sz="1800" dirty="0"/>
           </a:p>
           <a:p>
-            <a:pPr marL="0" indent="0">
-              <a:buNone/>
-            </a:pPr>
-            <a:r>
-              <a:rPr lang="ja-JP" altLang="en-US" sz="1800" dirty="0"/>
-              <a:t>　主要部分の開発メンバーは確定しているため、主な業務は細かい部分。</a:t>
-            </a:r>
-            <a:endParaRPr lang="en-US" altLang="ja-JP" sz="1800" dirty="0"/>
+            <a:r>
+              <a:rPr kumimoji="1" lang="ja-JP" altLang="en-US" sz="1800" dirty="0"/>
+              <a:t>戦艦を“</a:t>
+            </a:r>
+            <a:r>
+              <a:rPr kumimoji="1" lang="ja-JP" altLang="en-US" sz="1800" dirty="0" err="1"/>
+              <a:t>ぼ</a:t>
+            </a:r>
+            <a:r>
+              <a:rPr kumimoji="1" lang="ja-JP" altLang="en-US" sz="1800" dirty="0"/>
+              <a:t>うけんのしょ”的なコードに変換し、コードを入力した二つの戦艦で対戦！</a:t>
+            </a:r>
           </a:p>
         </p:txBody>
       </p:sp>
     </p:spTree>
     <p:extLst>
       <p:ext uri="{BB962C8B-B14F-4D97-AF65-F5344CB8AC3E}">
-        <p14:creationId xmlns:p14="http://schemas.microsoft.com/office/powerpoint/2010/main" val="2110242459"/>
+        <p14:creationId xmlns:p14="http://schemas.microsoft.com/office/powerpoint/2010/main" val="333640330"/>
       </p:ext>
     </p:extLst>
   </p:cSld>
   <p:clrMapOvr>
     <a:masterClrMapping/>
   </p:clrMapOvr>
+  <mc:AlternateContent xmlns:mc="http://schemas.openxmlformats.org/markup-compatibility/2006">
+    <mc:Choice xmlns:p14="http://schemas.microsoft.com/office/powerpoint/2010/main" Requires="p14">
+      <p:transition spd="med" p14:dur="700">
+        <p:fade/>
+      </p:transition>
+    </mc:Choice>
+    <mc:Fallback>
+      <p:transition spd="med">
+        <p:fade/>
+      </p:transition>
+    </mc:Fallback>
+  </mc:AlternateContent>
 </p:sld>
 </file>
 
-<file path=ppt/slides/slide9.xml><?xml version="1.0" encoding="utf-8"?>
+<file path=ppt/slides/slide5.xml><?xml version="1.0" encoding="utf-8"?>
 <p:sld xmlns:a="http://schemas.openxmlformats.org/drawingml/2006/main" xmlns:r="http://schemas.openxmlformats.org/officeDocument/2006/relationships" xmlns:p="http://schemas.openxmlformats.org/presentationml/2006/main">
   <p:cSld>
     <p:bg>
@@ -8759,7 +9033,10 @@
           </a:bodyPr>
           <a:lstStyle/>
           <a:p>
-            <a:endParaRPr kumimoji="1" lang="ja-JP" altLang="en-US" sz="4800" dirty="0"/>
+            <a:r>
+              <a:rPr kumimoji="1" lang="ja-JP" altLang="en-US" sz="4800" dirty="0"/>
+              <a:t>キャンペーンモード</a:t>
+            </a:r>
           </a:p>
         </p:txBody>
       </p:sp>
@@ -8791,20 +9068,2733 @@
           </a:bodyPr>
           <a:lstStyle/>
           <a:p>
-            <a:endParaRPr kumimoji="1" lang="ja-JP" altLang="en-US" sz="1800"/>
+            <a:r>
+              <a:rPr lang="ja-JP" altLang="en-US" sz="1800" dirty="0"/>
+              <a:t>自分の戦艦を成長させながら、宇宙を冒険！</a:t>
+            </a:r>
+            <a:endParaRPr lang="en-US" altLang="ja-JP" sz="1800" dirty="0"/>
+          </a:p>
+          <a:p>
+            <a:endParaRPr kumimoji="1" lang="en-US" altLang="ja-JP" sz="1800" dirty="0"/>
+          </a:p>
+          <a:p>
+            <a:r>
+              <a:rPr lang="ja-JP" altLang="en-US" sz="1800" dirty="0"/>
+              <a:t>宇宙を舞台にした</a:t>
+            </a:r>
+            <a:r>
+              <a:rPr lang="en-US" altLang="ja-JP" sz="1800" dirty="0"/>
+              <a:t>SF</a:t>
+            </a:r>
+            <a:r>
+              <a:rPr lang="ja-JP" altLang="en-US" sz="1800" dirty="0"/>
+              <a:t>な世界観</a:t>
+            </a:r>
+            <a:endParaRPr kumimoji="1" lang="en-US" altLang="ja-JP" sz="1800" dirty="0"/>
           </a:p>
         </p:txBody>
       </p:sp>
     </p:spTree>
     <p:extLst>
       <p:ext uri="{BB962C8B-B14F-4D97-AF65-F5344CB8AC3E}">
-        <p14:creationId xmlns:p14="http://schemas.microsoft.com/office/powerpoint/2010/main" val="2395787041"/>
+        <p14:creationId xmlns:p14="http://schemas.microsoft.com/office/powerpoint/2010/main" val="1982311826"/>
       </p:ext>
     </p:extLst>
   </p:cSld>
   <p:clrMapOvr>
     <a:masterClrMapping/>
   </p:clrMapOvr>
+  <mc:AlternateContent xmlns:mc="http://schemas.openxmlformats.org/markup-compatibility/2006">
+    <mc:Choice xmlns:p14="http://schemas.microsoft.com/office/powerpoint/2010/main" Requires="p14">
+      <p:transition spd="med" p14:dur="700">
+        <p:fade/>
+      </p:transition>
+    </mc:Choice>
+    <mc:Fallback>
+      <p:transition spd="med">
+        <p:fade/>
+      </p:transition>
+    </mc:Fallback>
+  </mc:AlternateContent>
+</p:sld>
+</file>
+
+<file path=ppt/slides/slide6.xml><?xml version="1.0" encoding="utf-8"?>
+<p:sld xmlns:a="http://schemas.openxmlformats.org/drawingml/2006/main" xmlns:r="http://schemas.openxmlformats.org/officeDocument/2006/relationships" xmlns:p="http://schemas.openxmlformats.org/presentationml/2006/main">
+  <p:cSld>
+    <p:bg>
+      <p:bgPr>
+        <a:solidFill>
+          <a:schemeClr val="bg1"/>
+        </a:solidFill>
+        <a:effectLst/>
+      </p:bgPr>
+    </p:bg>
+    <p:spTree>
+      <p:nvGrpSpPr>
+        <p:cNvPr id="1" name=""/>
+        <p:cNvGrpSpPr/>
+        <p:nvPr/>
+      </p:nvGrpSpPr>
+      <p:grpSpPr>
+        <a:xfrm>
+          <a:off x="0" y="0"/>
+          <a:ext cx="0" cy="0"/>
+          <a:chOff x="0" y="0"/>
+          <a:chExt cx="0" cy="0"/>
+        </a:xfrm>
+      </p:grpSpPr>
+      <p:sp useBgFill="1">
+        <p:nvSpPr>
+          <p:cNvPr id="22" name="Rectangle 7">
+            <a:extLst>
+              <a:ext uri="{FF2B5EF4-FFF2-40B4-BE49-F238E27FC236}">
+                <a16:creationId xmlns:a16="http://schemas.microsoft.com/office/drawing/2014/main" id="{E4F9F79B-A093-478E-96B5-EE02BC93A858}"/>
+              </a:ext>
+              <a:ext uri="{C183D7F6-B498-43B3-948B-1728B52AA6E4}">
+                <adec:decorative xmlns:adec="http://schemas.microsoft.com/office/drawing/2017/decorative" val="1"/>
+              </a:ext>
+            </a:extLst>
+          </p:cNvPr>
+          <p:cNvSpPr>
+            <a:spLocks noGrp="1" noRot="1" noChangeAspect="1" noMove="1" noResize="1" noEditPoints="1" noAdjustHandles="1" noChangeArrowheads="1" noChangeShapeType="1" noTextEdit="1"/>
+          </p:cNvSpPr>
+          <p:nvPr>
+            <p:extLst>
+              <p:ext uri="{386F3935-93C4-4BCD-93E2-E3B085C9AB24}">
+                <p16:designElem xmlns:p16="http://schemas.microsoft.com/office/powerpoint/2015/main" val="1"/>
+              </p:ext>
+            </p:extLst>
+          </p:nvPr>
+        </p:nvSpPr>
+        <p:spPr>
+          <a:xfrm>
+            <a:off x="0" y="0"/>
+            <a:ext cx="12192000" cy="6858000"/>
+          </a:xfrm>
+          <a:prstGeom prst="rect">
+            <a:avLst/>
+          </a:prstGeom>
+          <a:ln>
+            <a:noFill/>
+          </a:ln>
+        </p:spPr>
+        <p:style>
+          <a:lnRef idx="2">
+            <a:schemeClr val="accent1">
+              <a:shade val="50000"/>
+            </a:schemeClr>
+          </a:lnRef>
+          <a:fillRef idx="1">
+            <a:schemeClr val="accent1"/>
+          </a:fillRef>
+          <a:effectRef idx="0">
+            <a:schemeClr val="accent1"/>
+          </a:effectRef>
+          <a:fontRef idx="minor">
+            <a:schemeClr val="lt1"/>
+          </a:fontRef>
+        </p:style>
+        <p:txBody>
+          <a:bodyPr rtlCol="0" anchor="ctr"/>
+          <a:lstStyle/>
+          <a:p>
+            <a:pPr marL="0" marR="0" lvl="0" indent="0" algn="ctr" defTabSz="914400" rtl="0" eaLnBrk="1" fontAlgn="auto" latinLnBrk="0" hangingPunct="1">
+              <a:lnSpc>
+                <a:spcPct val="100000"/>
+              </a:lnSpc>
+              <a:spcBef>
+                <a:spcPts val="0"/>
+              </a:spcBef>
+              <a:spcAft>
+                <a:spcPts val="0"/>
+              </a:spcAft>
+              <a:buClrTx/>
+              <a:buSzTx/>
+              <a:buFontTx/>
+              <a:buNone/>
+              <a:tabLst/>
+              <a:defRPr/>
+            </a:pPr>
+            <a:endParaRPr kumimoji="0" lang="en-US" sz="1800" b="0" i="0" u="none" strike="noStrike" kern="1200" cap="none" spc="0" normalizeH="0" baseline="0" noProof="0">
+              <a:ln>
+                <a:noFill/>
+              </a:ln>
+              <a:solidFill>
+                <a:prstClr val="white"/>
+              </a:solidFill>
+              <a:effectLst/>
+              <a:uLnTx/>
+              <a:uFillTx/>
+              <a:latin typeface="Calibri" panose="020F0502020204030204"/>
+              <a:ea typeface="+mn-ea"/>
+              <a:cs typeface="+mn-cs"/>
+            </a:endParaRPr>
+          </a:p>
+        </p:txBody>
+      </p:sp>
+      <p:cxnSp>
+        <p:nvCxnSpPr>
+          <p:cNvPr id="10" name="Straight Connector 9">
+            <a:extLst>
+              <a:ext uri="{FF2B5EF4-FFF2-40B4-BE49-F238E27FC236}">
+                <a16:creationId xmlns:a16="http://schemas.microsoft.com/office/drawing/2014/main" id="{D4C22394-EBC2-4FAF-A555-6C02D589EED7}"/>
+              </a:ext>
+              <a:ext uri="{C183D7F6-B498-43B3-948B-1728B52AA6E4}">
+                <adec:decorative xmlns:adec="http://schemas.microsoft.com/office/drawing/2017/decorative" val="1"/>
+              </a:ext>
+            </a:extLst>
+          </p:cNvPr>
+          <p:cNvCxnSpPr>
+            <a:cxnSpLocks noGrp="1" noRot="1" noChangeAspect="1" noMove="1" noResize="1" noEditPoints="1" noAdjustHandles="1" noChangeArrowheads="1" noChangeShapeType="1"/>
+          </p:cNvCxnSpPr>
+          <p:nvPr>
+            <p:extLst>
+              <p:ext uri="{386F3935-93C4-4BCD-93E2-E3B085C9AB24}">
+                <p16:designElem xmlns:p16="http://schemas.microsoft.com/office/powerpoint/2015/main" val="1"/>
+              </p:ext>
+            </p:extLst>
+          </p:nvPr>
+        </p:nvCxnSpPr>
+        <p:spPr>
+          <a:xfrm rot="16200000">
+            <a:off x="1508760" y="3431556"/>
+            <a:ext cx="0" cy="1737360"/>
+          </a:xfrm>
+          <a:prstGeom prst="line">
+            <a:avLst/>
+          </a:prstGeom>
+          <a:ln w="19050" cap="sq">
+            <a:solidFill>
+              <a:schemeClr val="tx1"/>
+            </a:solidFill>
+          </a:ln>
+        </p:spPr>
+        <p:style>
+          <a:lnRef idx="1">
+            <a:schemeClr val="accent1"/>
+          </a:lnRef>
+          <a:fillRef idx="0">
+            <a:schemeClr val="accent1"/>
+          </a:fillRef>
+          <a:effectRef idx="0">
+            <a:schemeClr val="accent1"/>
+          </a:effectRef>
+          <a:fontRef idx="minor">
+            <a:schemeClr val="tx1"/>
+          </a:fontRef>
+        </p:style>
+      </p:cxnSp>
+      <p:sp>
+        <p:nvSpPr>
+          <p:cNvPr id="12" name="Oval 11">
+            <a:extLst>
+              <a:ext uri="{FF2B5EF4-FFF2-40B4-BE49-F238E27FC236}">
+                <a16:creationId xmlns:a16="http://schemas.microsoft.com/office/drawing/2014/main" id="{F7194F93-1F71-4A70-9DF1-28F183771111}"/>
+              </a:ext>
+              <a:ext uri="{C183D7F6-B498-43B3-948B-1728B52AA6E4}">
+                <adec:decorative xmlns:adec="http://schemas.microsoft.com/office/drawing/2017/decorative" val="1"/>
+              </a:ext>
+            </a:extLst>
+          </p:cNvPr>
+          <p:cNvSpPr>
+            <a:spLocks noGrp="1" noRot="1" noChangeAspect="1" noMove="1" noResize="1" noEditPoints="1" noAdjustHandles="1" noChangeArrowheads="1" noChangeShapeType="1" noTextEdit="1"/>
+          </p:cNvSpPr>
+          <p:nvPr>
+            <p:extLst>
+              <p:ext uri="{386F3935-93C4-4BCD-93E2-E3B085C9AB24}">
+                <p16:designElem xmlns:p16="http://schemas.microsoft.com/office/powerpoint/2015/main" val="1"/>
+              </p:ext>
+            </p:extLst>
+          </p:nvPr>
+        </p:nvSpPr>
+        <p:spPr>
+          <a:xfrm>
+            <a:off x="8732897" y="5004581"/>
+            <a:ext cx="962395" cy="962395"/>
+          </a:xfrm>
+          <a:prstGeom prst="ellipse">
+            <a:avLst/>
+          </a:prstGeom>
+          <a:solidFill>
+            <a:schemeClr val="accent1"/>
+          </a:solidFill>
+          <a:ln>
+            <a:noFill/>
+          </a:ln>
+        </p:spPr>
+        <p:style>
+          <a:lnRef idx="2">
+            <a:schemeClr val="accent1">
+              <a:shade val="50000"/>
+            </a:schemeClr>
+          </a:lnRef>
+          <a:fillRef idx="1">
+            <a:schemeClr val="accent1"/>
+          </a:fillRef>
+          <a:effectRef idx="0">
+            <a:schemeClr val="accent1"/>
+          </a:effectRef>
+          <a:fontRef idx="minor">
+            <a:schemeClr val="lt1"/>
+          </a:fontRef>
+        </p:style>
+        <p:txBody>
+          <a:bodyPr rtlCol="0" anchor="ctr"/>
+          <a:lstStyle/>
+          <a:p>
+            <a:pPr marL="0" marR="0" lvl="0" indent="0" algn="ctr" defTabSz="914400" rtl="0" eaLnBrk="1" fontAlgn="auto" latinLnBrk="0" hangingPunct="1">
+              <a:lnSpc>
+                <a:spcPct val="100000"/>
+              </a:lnSpc>
+              <a:spcBef>
+                <a:spcPts val="0"/>
+              </a:spcBef>
+              <a:spcAft>
+                <a:spcPts val="0"/>
+              </a:spcAft>
+              <a:buClrTx/>
+              <a:buSzTx/>
+              <a:buFontTx/>
+              <a:buNone/>
+              <a:tabLst/>
+              <a:defRPr/>
+            </a:pPr>
+            <a:endParaRPr kumimoji="0" lang="en-US" sz="1800" b="0" i="0" u="none" strike="noStrike" kern="1200" cap="none" spc="0" normalizeH="0" baseline="0" noProof="0">
+              <a:ln>
+                <a:noFill/>
+              </a:ln>
+              <a:solidFill>
+                <a:prstClr val="white"/>
+              </a:solidFill>
+              <a:effectLst/>
+              <a:uLnTx/>
+              <a:uFillTx/>
+              <a:latin typeface="Calibri" panose="020F0502020204030204"/>
+              <a:ea typeface="+mn-ea"/>
+              <a:cs typeface="+mn-cs"/>
+            </a:endParaRPr>
+          </a:p>
+        </p:txBody>
+      </p:sp>
+      <p:sp>
+        <p:nvSpPr>
+          <p:cNvPr id="14" name="Oval 13">
+            <a:extLst>
+              <a:ext uri="{FF2B5EF4-FFF2-40B4-BE49-F238E27FC236}">
+                <a16:creationId xmlns:a16="http://schemas.microsoft.com/office/drawing/2014/main" id="{9BBC0C84-DC2A-43AE-9576-0A44295E8B9C}"/>
+              </a:ext>
+              <a:ext uri="{C183D7F6-B498-43B3-948B-1728B52AA6E4}">
+                <adec:decorative xmlns:adec="http://schemas.microsoft.com/office/drawing/2017/decorative" val="1"/>
+              </a:ext>
+            </a:extLst>
+          </p:cNvPr>
+          <p:cNvSpPr>
+            <a:spLocks noGrp="1" noRot="1" noChangeAspect="1" noMove="1" noResize="1" noEditPoints="1" noAdjustHandles="1" noChangeArrowheads="1" noChangeShapeType="1" noTextEdit="1"/>
+          </p:cNvSpPr>
+          <p:nvPr>
+            <p:extLst>
+              <p:ext uri="{386F3935-93C4-4BCD-93E2-E3B085C9AB24}">
+                <p16:designElem xmlns:p16="http://schemas.microsoft.com/office/powerpoint/2015/main" val="1"/>
+              </p:ext>
+            </p:extLst>
+          </p:nvPr>
+        </p:nvSpPr>
+        <p:spPr>
+          <a:xfrm>
+            <a:off x="10463725" y="4865965"/>
+            <a:ext cx="293695" cy="293695"/>
+          </a:xfrm>
+          <a:prstGeom prst="ellipse">
+            <a:avLst/>
+          </a:prstGeom>
+          <a:solidFill>
+            <a:schemeClr val="accent4"/>
+          </a:solidFill>
+          <a:ln>
+            <a:noFill/>
+          </a:ln>
+        </p:spPr>
+        <p:style>
+          <a:lnRef idx="2">
+            <a:schemeClr val="accent1">
+              <a:shade val="50000"/>
+            </a:schemeClr>
+          </a:lnRef>
+          <a:fillRef idx="1">
+            <a:schemeClr val="accent1"/>
+          </a:fillRef>
+          <a:effectRef idx="0">
+            <a:schemeClr val="accent1"/>
+          </a:effectRef>
+          <a:fontRef idx="minor">
+            <a:schemeClr val="lt1"/>
+          </a:fontRef>
+        </p:style>
+        <p:txBody>
+          <a:bodyPr rtlCol="0" anchor="ctr"/>
+          <a:lstStyle/>
+          <a:p>
+            <a:pPr marL="0" marR="0" lvl="0" indent="0" algn="ctr" defTabSz="914400" rtl="0" eaLnBrk="1" fontAlgn="auto" latinLnBrk="0" hangingPunct="1">
+              <a:lnSpc>
+                <a:spcPct val="100000"/>
+              </a:lnSpc>
+              <a:spcBef>
+                <a:spcPts val="0"/>
+              </a:spcBef>
+              <a:spcAft>
+                <a:spcPts val="0"/>
+              </a:spcAft>
+              <a:buClrTx/>
+              <a:buSzTx/>
+              <a:buFontTx/>
+              <a:buNone/>
+              <a:tabLst/>
+              <a:defRPr/>
+            </a:pPr>
+            <a:endParaRPr kumimoji="0" lang="en-US" sz="1800" b="0" i="0" u="none" strike="noStrike" kern="1200" cap="none" spc="0" normalizeH="0" baseline="0" noProof="0">
+              <a:ln>
+                <a:noFill/>
+              </a:ln>
+              <a:solidFill>
+                <a:prstClr val="white"/>
+              </a:solidFill>
+              <a:effectLst/>
+              <a:uLnTx/>
+              <a:uFillTx/>
+              <a:latin typeface="Calibri" panose="020F0502020204030204"/>
+              <a:ea typeface="+mn-ea"/>
+              <a:cs typeface="+mn-cs"/>
+            </a:endParaRPr>
+          </a:p>
+        </p:txBody>
+      </p:sp>
+      <p:sp>
+        <p:nvSpPr>
+          <p:cNvPr id="16" name="Freeform: Shape 15">
+            <a:extLst>
+              <a:ext uri="{FF2B5EF4-FFF2-40B4-BE49-F238E27FC236}">
+                <a16:creationId xmlns:a16="http://schemas.microsoft.com/office/drawing/2014/main" id="{11394CD8-BD30-4B74-86F4-51FDF3383419}"/>
+              </a:ext>
+              <a:ext uri="{C183D7F6-B498-43B3-948B-1728B52AA6E4}">
+                <adec:decorative xmlns:adec="http://schemas.microsoft.com/office/drawing/2017/decorative" val="1"/>
+              </a:ext>
+            </a:extLst>
+          </p:cNvPr>
+          <p:cNvSpPr>
+            <a:spLocks noGrp="1" noRot="1" noChangeAspect="1" noMove="1" noResize="1" noEditPoints="1" noAdjustHandles="1" noChangeArrowheads="1" noChangeShapeType="1" noTextEdit="1"/>
+          </p:cNvSpPr>
+          <p:nvPr>
+            <p:extLst>
+              <p:ext uri="{386F3935-93C4-4BCD-93E2-E3B085C9AB24}">
+                <p16:designElem xmlns:p16="http://schemas.microsoft.com/office/powerpoint/2015/main" val="1"/>
+              </p:ext>
+            </p:extLst>
+          </p:nvPr>
+        </p:nvSpPr>
+        <p:spPr>
+          <a:xfrm>
+            <a:off x="6492113" y="0"/>
+            <a:ext cx="5699887" cy="4059244"/>
+          </a:xfrm>
+          <a:custGeom>
+            <a:avLst/>
+            <a:gdLst>
+              <a:gd name="connsiteX0" fmla="*/ 0 w 5699887"/>
+              <a:gd name="connsiteY0" fmla="*/ 0 h 4059244"/>
+              <a:gd name="connsiteX1" fmla="*/ 5699887 w 5699887"/>
+              <a:gd name="connsiteY1" fmla="*/ 0 h 4059244"/>
+              <a:gd name="connsiteX2" fmla="*/ 5699887 w 5699887"/>
+              <a:gd name="connsiteY2" fmla="*/ 3944096 h 4059244"/>
+              <a:gd name="connsiteX3" fmla="*/ 5525775 w 5699887"/>
+              <a:gd name="connsiteY3" fmla="*/ 3980429 h 4059244"/>
+              <a:gd name="connsiteX4" fmla="*/ 4663256 w 5699887"/>
+              <a:gd name="connsiteY4" fmla="*/ 4059244 h 4059244"/>
+              <a:gd name="connsiteX5" fmla="*/ 8566 w 5699887"/>
+              <a:gd name="connsiteY5" fmla="*/ 67422 h 4059244"/>
+            </a:gdLst>
+            <a:ahLst/>
+            <a:cxnLst>
+              <a:cxn ang="0">
+                <a:pos x="connsiteX0" y="connsiteY0"/>
+              </a:cxn>
+              <a:cxn ang="0">
+                <a:pos x="connsiteX1" y="connsiteY1"/>
+              </a:cxn>
+              <a:cxn ang="0">
+                <a:pos x="connsiteX2" y="connsiteY2"/>
+              </a:cxn>
+              <a:cxn ang="0">
+                <a:pos x="connsiteX3" y="connsiteY3"/>
+              </a:cxn>
+              <a:cxn ang="0">
+                <a:pos x="connsiteX4" y="connsiteY4"/>
+              </a:cxn>
+              <a:cxn ang="0">
+                <a:pos x="connsiteX5" y="connsiteY5"/>
+              </a:cxn>
+            </a:cxnLst>
+            <a:rect l="l" t="t" r="r" b="b"/>
+            <a:pathLst>
+              <a:path w="5699887" h="4059244">
+                <a:moveTo>
+                  <a:pt x="0" y="0"/>
+                </a:moveTo>
+                <a:lnTo>
+                  <a:pt x="5699887" y="0"/>
+                </a:lnTo>
+                <a:lnTo>
+                  <a:pt x="5699887" y="3944096"/>
+                </a:lnTo>
+                <a:lnTo>
+                  <a:pt x="5525775" y="3980429"/>
+                </a:lnTo>
+                <a:cubicBezTo>
+                  <a:pt x="5246154" y="4032190"/>
+                  <a:pt x="4957865" y="4059244"/>
+                  <a:pt x="4663256" y="4059244"/>
+                </a:cubicBezTo>
+                <a:cubicBezTo>
+                  <a:pt x="2306390" y="4059244"/>
+                  <a:pt x="353936" y="2327747"/>
+                  <a:pt x="8566" y="67422"/>
+                </a:cubicBezTo>
+                <a:close/>
+              </a:path>
+            </a:pathLst>
+          </a:custGeom>
+          <a:solidFill>
+            <a:srgbClr val="595959"/>
+          </a:solidFill>
+          <a:ln>
+            <a:noFill/>
+          </a:ln>
+        </p:spPr>
+        <p:style>
+          <a:lnRef idx="2">
+            <a:schemeClr val="accent1">
+              <a:shade val="50000"/>
+            </a:schemeClr>
+          </a:lnRef>
+          <a:fillRef idx="1">
+            <a:schemeClr val="accent1"/>
+          </a:fillRef>
+          <a:effectRef idx="0">
+            <a:schemeClr val="accent1"/>
+          </a:effectRef>
+          <a:fontRef idx="minor">
+            <a:schemeClr val="lt1"/>
+          </a:fontRef>
+        </p:style>
+        <p:txBody>
+          <a:bodyPr rtlCol="0" anchor="ctr"/>
+          <a:lstStyle/>
+          <a:p>
+            <a:pPr marL="0" marR="0" lvl="0" indent="0" algn="ctr" defTabSz="914400" rtl="0" eaLnBrk="1" fontAlgn="auto" latinLnBrk="0" hangingPunct="1">
+              <a:lnSpc>
+                <a:spcPct val="100000"/>
+              </a:lnSpc>
+              <a:spcBef>
+                <a:spcPts val="0"/>
+              </a:spcBef>
+              <a:spcAft>
+                <a:spcPts val="0"/>
+              </a:spcAft>
+              <a:buClrTx/>
+              <a:buSzTx/>
+              <a:buFontTx/>
+              <a:buNone/>
+              <a:tabLst/>
+              <a:defRPr/>
+            </a:pPr>
+            <a:endParaRPr kumimoji="0" lang="en-US" sz="1800" b="0" i="0" u="none" strike="noStrike" kern="1200" cap="none" spc="0" normalizeH="0" baseline="0" noProof="0">
+              <a:ln>
+                <a:noFill/>
+              </a:ln>
+              <a:solidFill>
+                <a:prstClr val="white"/>
+              </a:solidFill>
+              <a:effectLst/>
+              <a:uLnTx/>
+              <a:uFillTx/>
+              <a:latin typeface="Calibri" panose="020F0502020204030204"/>
+              <a:ea typeface="+mn-ea"/>
+              <a:cs typeface="+mn-cs"/>
+            </a:endParaRPr>
+          </a:p>
+        </p:txBody>
+      </p:sp>
+      <p:sp>
+        <p:nvSpPr>
+          <p:cNvPr id="2" name="タイトル 1">
+            <a:extLst>
+              <a:ext uri="{FF2B5EF4-FFF2-40B4-BE49-F238E27FC236}">
+                <a16:creationId xmlns:a16="http://schemas.microsoft.com/office/drawing/2014/main" id="{E3A9AA0B-1B3B-42C6-A913-24214DA76A76}"/>
+              </a:ext>
+            </a:extLst>
+          </p:cNvPr>
+          <p:cNvSpPr>
+            <a:spLocks noGrp="1"/>
+          </p:cNvSpPr>
+          <p:nvPr>
+            <p:ph type="title"/>
+          </p:nvPr>
+        </p:nvSpPr>
+        <p:spPr>
+          <a:xfrm>
+            <a:off x="640079" y="4526280"/>
+            <a:ext cx="7410681" cy="1737360"/>
+          </a:xfrm>
+        </p:spPr>
+        <p:txBody>
+          <a:bodyPr>
+            <a:normAutofit/>
+          </a:bodyPr>
+          <a:lstStyle/>
+          <a:p>
+            <a:r>
+              <a:rPr kumimoji="1" lang="ja-JP" altLang="en-US" sz="4800" dirty="0"/>
+              <a:t>現在のメンバー</a:t>
+            </a:r>
+          </a:p>
+        </p:txBody>
+      </p:sp>
+      <p:sp>
+        <p:nvSpPr>
+          <p:cNvPr id="3" name="コンテンツ プレースホルダー 2">
+            <a:extLst>
+              <a:ext uri="{FF2B5EF4-FFF2-40B4-BE49-F238E27FC236}">
+                <a16:creationId xmlns:a16="http://schemas.microsoft.com/office/drawing/2014/main" id="{41542D7B-1FF4-4716-837E-CC841F0AE8C3}"/>
+              </a:ext>
+            </a:extLst>
+          </p:cNvPr>
+          <p:cNvSpPr>
+            <a:spLocks noGrp="1"/>
+          </p:cNvSpPr>
+          <p:nvPr>
+            <p:ph idx="1"/>
+          </p:nvPr>
+        </p:nvSpPr>
+        <p:spPr>
+          <a:xfrm>
+            <a:off x="640080" y="595293"/>
+            <a:ext cx="5676637" cy="3463951"/>
+          </a:xfrm>
+        </p:spPr>
+        <p:txBody>
+          <a:bodyPr anchor="ctr">
+            <a:normAutofit/>
+          </a:bodyPr>
+          <a:lstStyle/>
+          <a:p>
+            <a:pPr marL="0" indent="0">
+              <a:buNone/>
+            </a:pPr>
+            <a:r>
+              <a:rPr kumimoji="1" lang="ja-JP" altLang="en-US" sz="1800" dirty="0"/>
+              <a:t>鶏野</a:t>
+            </a:r>
+            <a:r>
+              <a:rPr lang="ja-JP" altLang="en-US" sz="1800" dirty="0"/>
+              <a:t>（</a:t>
+            </a:r>
+            <a:r>
+              <a:rPr lang="en-US" altLang="ja-JP" sz="1800" dirty="0"/>
+              <a:t>52</a:t>
+            </a:r>
+            <a:r>
+              <a:rPr lang="ja-JP" altLang="en-US" sz="1800" dirty="0"/>
+              <a:t>代）</a:t>
+            </a:r>
+            <a:endParaRPr lang="en-US" altLang="ja-JP" sz="1800" dirty="0"/>
+          </a:p>
+          <a:p>
+            <a:pPr marL="0" indent="0">
+              <a:buNone/>
+            </a:pPr>
+            <a:r>
+              <a:rPr kumimoji="1" lang="en-US" altLang="ja-JP" sz="1800" dirty="0" err="1"/>
+              <a:t>takowasabi</a:t>
+            </a:r>
+            <a:r>
+              <a:rPr kumimoji="1" lang="ja-JP" altLang="en-US" sz="1800" dirty="0"/>
+              <a:t>（</a:t>
+            </a:r>
+            <a:r>
+              <a:rPr kumimoji="1" lang="en-US" altLang="ja-JP" sz="1800" dirty="0"/>
+              <a:t>52</a:t>
+            </a:r>
+            <a:r>
+              <a:rPr kumimoji="1" lang="ja-JP" altLang="en-US" sz="1800" dirty="0"/>
+              <a:t>代）</a:t>
+            </a:r>
+            <a:endParaRPr kumimoji="1" lang="en-US" altLang="ja-JP" sz="1800" dirty="0"/>
+          </a:p>
+          <a:p>
+            <a:pPr marL="0" indent="0">
+              <a:buNone/>
+            </a:pPr>
+            <a:r>
+              <a:rPr kumimoji="1" lang="en-US" altLang="ja-JP" sz="1800" dirty="0" err="1"/>
+              <a:t>momok</a:t>
+            </a:r>
+            <a:r>
+              <a:rPr lang="ja-JP" altLang="en-US" sz="1800" dirty="0"/>
+              <a:t> （</a:t>
+            </a:r>
+            <a:r>
+              <a:rPr lang="en-US" altLang="ja-JP" sz="1800" dirty="0"/>
+              <a:t>52</a:t>
+            </a:r>
+            <a:r>
+              <a:rPr lang="ja-JP" altLang="en-US" sz="1800" dirty="0"/>
+              <a:t>代）</a:t>
+            </a:r>
+            <a:endParaRPr lang="en-US" altLang="ja-JP" sz="1800" dirty="0"/>
+          </a:p>
+          <a:p>
+            <a:pPr marL="0" indent="0">
+              <a:buNone/>
+            </a:pPr>
+            <a:r>
+              <a:rPr kumimoji="1" lang="ja-JP" altLang="en-US" sz="1800" dirty="0"/>
+              <a:t>ささくな</a:t>
+            </a:r>
+            <a:r>
+              <a:rPr lang="ja-JP" altLang="en-US" sz="1800" dirty="0"/>
+              <a:t>（</a:t>
+            </a:r>
+            <a:r>
+              <a:rPr lang="en-US" altLang="ja-JP" sz="1800" dirty="0"/>
+              <a:t>52</a:t>
+            </a:r>
+            <a:r>
+              <a:rPr lang="ja-JP" altLang="en-US" sz="1800" dirty="0"/>
+              <a:t>代）</a:t>
+            </a:r>
+            <a:endParaRPr kumimoji="1" lang="en-US" altLang="ja-JP" sz="1800" dirty="0"/>
+          </a:p>
+          <a:p>
+            <a:pPr marL="0" indent="0">
+              <a:buNone/>
+            </a:pPr>
+            <a:r>
+              <a:rPr lang="ja-JP" altLang="en-US" sz="1800" dirty="0"/>
+              <a:t>しをん（</a:t>
+            </a:r>
+            <a:r>
+              <a:rPr lang="en-US" altLang="ja-JP" sz="1800" dirty="0"/>
+              <a:t>52</a:t>
+            </a:r>
+            <a:r>
+              <a:rPr lang="ja-JP" altLang="en-US" sz="1800" dirty="0"/>
+              <a:t>代）</a:t>
+            </a:r>
+            <a:endParaRPr lang="en-US" altLang="ja-JP" sz="1800" dirty="0"/>
+          </a:p>
+          <a:p>
+            <a:pPr marL="0" indent="0">
+              <a:buNone/>
+            </a:pPr>
+            <a:r>
+              <a:rPr lang="ja-JP" altLang="en-US" sz="1800" dirty="0"/>
+              <a:t>すしぐま（</a:t>
+            </a:r>
+            <a:r>
+              <a:rPr lang="en-US" altLang="ja-JP" sz="1800" dirty="0"/>
+              <a:t>52</a:t>
+            </a:r>
+            <a:r>
+              <a:rPr lang="ja-JP" altLang="en-US" sz="1800" dirty="0"/>
+              <a:t>代）</a:t>
+            </a:r>
+            <a:endParaRPr kumimoji="1" lang="ja-JP" altLang="en-US" sz="1800" dirty="0"/>
+          </a:p>
+        </p:txBody>
+      </p:sp>
+    </p:spTree>
+    <p:extLst>
+      <p:ext uri="{BB962C8B-B14F-4D97-AF65-F5344CB8AC3E}">
+        <p14:creationId xmlns:p14="http://schemas.microsoft.com/office/powerpoint/2010/main" val="3681577912"/>
+      </p:ext>
+    </p:extLst>
+  </p:cSld>
+  <p:clrMapOvr>
+    <a:masterClrMapping/>
+  </p:clrMapOvr>
+  <mc:AlternateContent xmlns:mc="http://schemas.openxmlformats.org/markup-compatibility/2006">
+    <mc:Choice xmlns:p14="http://schemas.microsoft.com/office/powerpoint/2010/main" Requires="p14">
+      <p:transition spd="med" p14:dur="700">
+        <p:fade/>
+      </p:transition>
+    </mc:Choice>
+    <mc:Fallback>
+      <p:transition spd="med">
+        <p:fade/>
+      </p:transition>
+    </mc:Fallback>
+  </mc:AlternateContent>
+</p:sld>
+</file>
+
+<file path=ppt/slides/slide7.xml><?xml version="1.0" encoding="utf-8"?>
+<p:sld xmlns:a="http://schemas.openxmlformats.org/drawingml/2006/main" xmlns:r="http://schemas.openxmlformats.org/officeDocument/2006/relationships" xmlns:p="http://schemas.openxmlformats.org/presentationml/2006/main">
+  <p:cSld>
+    <p:bg>
+      <p:bgPr>
+        <a:solidFill>
+          <a:schemeClr val="bg1"/>
+        </a:solidFill>
+        <a:effectLst/>
+      </p:bgPr>
+    </p:bg>
+    <p:spTree>
+      <p:nvGrpSpPr>
+        <p:cNvPr id="1" name=""/>
+        <p:cNvGrpSpPr/>
+        <p:nvPr/>
+      </p:nvGrpSpPr>
+      <p:grpSpPr>
+        <a:xfrm>
+          <a:off x="0" y="0"/>
+          <a:ext cx="0" cy="0"/>
+          <a:chOff x="0" y="0"/>
+          <a:chExt cx="0" cy="0"/>
+        </a:xfrm>
+      </p:grpSpPr>
+      <p:sp useBgFill="1">
+        <p:nvSpPr>
+          <p:cNvPr id="22" name="Rectangle 7">
+            <a:extLst>
+              <a:ext uri="{FF2B5EF4-FFF2-40B4-BE49-F238E27FC236}">
+                <a16:creationId xmlns:a16="http://schemas.microsoft.com/office/drawing/2014/main" id="{E4F9F79B-A093-478E-96B5-EE02BC93A858}"/>
+              </a:ext>
+              <a:ext uri="{C183D7F6-B498-43B3-948B-1728B52AA6E4}">
+                <adec:decorative xmlns:adec="http://schemas.microsoft.com/office/drawing/2017/decorative" val="1"/>
+              </a:ext>
+            </a:extLst>
+          </p:cNvPr>
+          <p:cNvSpPr>
+            <a:spLocks noGrp="1" noRot="1" noChangeAspect="1" noMove="1" noResize="1" noEditPoints="1" noAdjustHandles="1" noChangeArrowheads="1" noChangeShapeType="1" noTextEdit="1"/>
+          </p:cNvSpPr>
+          <p:nvPr>
+            <p:extLst>
+              <p:ext uri="{386F3935-93C4-4BCD-93E2-E3B085C9AB24}">
+                <p16:designElem xmlns:p16="http://schemas.microsoft.com/office/powerpoint/2015/main" val="1"/>
+              </p:ext>
+            </p:extLst>
+          </p:nvPr>
+        </p:nvSpPr>
+        <p:spPr>
+          <a:xfrm>
+            <a:off x="0" y="0"/>
+            <a:ext cx="12192000" cy="6858000"/>
+          </a:xfrm>
+          <a:prstGeom prst="rect">
+            <a:avLst/>
+          </a:prstGeom>
+          <a:ln>
+            <a:noFill/>
+          </a:ln>
+        </p:spPr>
+        <p:style>
+          <a:lnRef idx="2">
+            <a:schemeClr val="accent1">
+              <a:shade val="50000"/>
+            </a:schemeClr>
+          </a:lnRef>
+          <a:fillRef idx="1">
+            <a:schemeClr val="accent1"/>
+          </a:fillRef>
+          <a:effectRef idx="0">
+            <a:schemeClr val="accent1"/>
+          </a:effectRef>
+          <a:fontRef idx="minor">
+            <a:schemeClr val="lt1"/>
+          </a:fontRef>
+        </p:style>
+        <p:txBody>
+          <a:bodyPr rtlCol="0" anchor="ctr"/>
+          <a:lstStyle/>
+          <a:p>
+            <a:pPr marL="0" marR="0" lvl="0" indent="0" algn="ctr" defTabSz="914400" rtl="0" eaLnBrk="1" fontAlgn="auto" latinLnBrk="0" hangingPunct="1">
+              <a:lnSpc>
+                <a:spcPct val="100000"/>
+              </a:lnSpc>
+              <a:spcBef>
+                <a:spcPts val="0"/>
+              </a:spcBef>
+              <a:spcAft>
+                <a:spcPts val="0"/>
+              </a:spcAft>
+              <a:buClrTx/>
+              <a:buSzTx/>
+              <a:buFontTx/>
+              <a:buNone/>
+              <a:tabLst/>
+              <a:defRPr/>
+            </a:pPr>
+            <a:endParaRPr kumimoji="0" lang="en-US" sz="1800" b="0" i="0" u="none" strike="noStrike" kern="1200" cap="none" spc="0" normalizeH="0" baseline="0" noProof="0">
+              <a:ln>
+                <a:noFill/>
+              </a:ln>
+              <a:solidFill>
+                <a:prstClr val="white"/>
+              </a:solidFill>
+              <a:effectLst/>
+              <a:uLnTx/>
+              <a:uFillTx/>
+              <a:latin typeface="Calibri" panose="020F0502020204030204"/>
+              <a:ea typeface="+mn-ea"/>
+              <a:cs typeface="+mn-cs"/>
+            </a:endParaRPr>
+          </a:p>
+        </p:txBody>
+      </p:sp>
+      <p:cxnSp>
+        <p:nvCxnSpPr>
+          <p:cNvPr id="10" name="Straight Connector 9">
+            <a:extLst>
+              <a:ext uri="{FF2B5EF4-FFF2-40B4-BE49-F238E27FC236}">
+                <a16:creationId xmlns:a16="http://schemas.microsoft.com/office/drawing/2014/main" id="{D4C22394-EBC2-4FAF-A555-6C02D589EED7}"/>
+              </a:ext>
+              <a:ext uri="{C183D7F6-B498-43B3-948B-1728B52AA6E4}">
+                <adec:decorative xmlns:adec="http://schemas.microsoft.com/office/drawing/2017/decorative" val="1"/>
+              </a:ext>
+            </a:extLst>
+          </p:cNvPr>
+          <p:cNvCxnSpPr>
+            <a:cxnSpLocks noGrp="1" noRot="1" noChangeAspect="1" noMove="1" noResize="1" noEditPoints="1" noAdjustHandles="1" noChangeArrowheads="1" noChangeShapeType="1"/>
+          </p:cNvCxnSpPr>
+          <p:nvPr>
+            <p:extLst>
+              <p:ext uri="{386F3935-93C4-4BCD-93E2-E3B085C9AB24}">
+                <p16:designElem xmlns:p16="http://schemas.microsoft.com/office/powerpoint/2015/main" val="1"/>
+              </p:ext>
+            </p:extLst>
+          </p:nvPr>
+        </p:nvCxnSpPr>
+        <p:spPr>
+          <a:xfrm rot="16200000">
+            <a:off x="1508760" y="3431556"/>
+            <a:ext cx="0" cy="1737360"/>
+          </a:xfrm>
+          <a:prstGeom prst="line">
+            <a:avLst/>
+          </a:prstGeom>
+          <a:ln w="19050" cap="sq">
+            <a:solidFill>
+              <a:schemeClr val="tx1"/>
+            </a:solidFill>
+          </a:ln>
+        </p:spPr>
+        <p:style>
+          <a:lnRef idx="1">
+            <a:schemeClr val="accent1"/>
+          </a:lnRef>
+          <a:fillRef idx="0">
+            <a:schemeClr val="accent1"/>
+          </a:fillRef>
+          <a:effectRef idx="0">
+            <a:schemeClr val="accent1"/>
+          </a:effectRef>
+          <a:fontRef idx="minor">
+            <a:schemeClr val="tx1"/>
+          </a:fontRef>
+        </p:style>
+      </p:cxnSp>
+      <p:sp>
+        <p:nvSpPr>
+          <p:cNvPr id="12" name="Oval 11">
+            <a:extLst>
+              <a:ext uri="{FF2B5EF4-FFF2-40B4-BE49-F238E27FC236}">
+                <a16:creationId xmlns:a16="http://schemas.microsoft.com/office/drawing/2014/main" id="{F7194F93-1F71-4A70-9DF1-28F183771111}"/>
+              </a:ext>
+              <a:ext uri="{C183D7F6-B498-43B3-948B-1728B52AA6E4}">
+                <adec:decorative xmlns:adec="http://schemas.microsoft.com/office/drawing/2017/decorative" val="1"/>
+              </a:ext>
+            </a:extLst>
+          </p:cNvPr>
+          <p:cNvSpPr>
+            <a:spLocks noGrp="1" noRot="1" noChangeAspect="1" noMove="1" noResize="1" noEditPoints="1" noAdjustHandles="1" noChangeArrowheads="1" noChangeShapeType="1" noTextEdit="1"/>
+          </p:cNvSpPr>
+          <p:nvPr>
+            <p:extLst>
+              <p:ext uri="{386F3935-93C4-4BCD-93E2-E3B085C9AB24}">
+                <p16:designElem xmlns:p16="http://schemas.microsoft.com/office/powerpoint/2015/main" val="1"/>
+              </p:ext>
+            </p:extLst>
+          </p:nvPr>
+        </p:nvSpPr>
+        <p:spPr>
+          <a:xfrm>
+            <a:off x="8732897" y="5004581"/>
+            <a:ext cx="962395" cy="962395"/>
+          </a:xfrm>
+          <a:prstGeom prst="ellipse">
+            <a:avLst/>
+          </a:prstGeom>
+          <a:solidFill>
+            <a:schemeClr val="accent1"/>
+          </a:solidFill>
+          <a:ln>
+            <a:noFill/>
+          </a:ln>
+        </p:spPr>
+        <p:style>
+          <a:lnRef idx="2">
+            <a:schemeClr val="accent1">
+              <a:shade val="50000"/>
+            </a:schemeClr>
+          </a:lnRef>
+          <a:fillRef idx="1">
+            <a:schemeClr val="accent1"/>
+          </a:fillRef>
+          <a:effectRef idx="0">
+            <a:schemeClr val="accent1"/>
+          </a:effectRef>
+          <a:fontRef idx="minor">
+            <a:schemeClr val="lt1"/>
+          </a:fontRef>
+        </p:style>
+        <p:txBody>
+          <a:bodyPr rtlCol="0" anchor="ctr"/>
+          <a:lstStyle/>
+          <a:p>
+            <a:pPr marL="0" marR="0" lvl="0" indent="0" algn="ctr" defTabSz="914400" rtl="0" eaLnBrk="1" fontAlgn="auto" latinLnBrk="0" hangingPunct="1">
+              <a:lnSpc>
+                <a:spcPct val="100000"/>
+              </a:lnSpc>
+              <a:spcBef>
+                <a:spcPts val="0"/>
+              </a:spcBef>
+              <a:spcAft>
+                <a:spcPts val="0"/>
+              </a:spcAft>
+              <a:buClrTx/>
+              <a:buSzTx/>
+              <a:buFontTx/>
+              <a:buNone/>
+              <a:tabLst/>
+              <a:defRPr/>
+            </a:pPr>
+            <a:endParaRPr kumimoji="0" lang="en-US" sz="1800" b="0" i="0" u="none" strike="noStrike" kern="1200" cap="none" spc="0" normalizeH="0" baseline="0" noProof="0">
+              <a:ln>
+                <a:noFill/>
+              </a:ln>
+              <a:solidFill>
+                <a:prstClr val="white"/>
+              </a:solidFill>
+              <a:effectLst/>
+              <a:uLnTx/>
+              <a:uFillTx/>
+              <a:latin typeface="Calibri" panose="020F0502020204030204"/>
+              <a:ea typeface="+mn-ea"/>
+              <a:cs typeface="+mn-cs"/>
+            </a:endParaRPr>
+          </a:p>
+        </p:txBody>
+      </p:sp>
+      <p:sp>
+        <p:nvSpPr>
+          <p:cNvPr id="14" name="Oval 13">
+            <a:extLst>
+              <a:ext uri="{FF2B5EF4-FFF2-40B4-BE49-F238E27FC236}">
+                <a16:creationId xmlns:a16="http://schemas.microsoft.com/office/drawing/2014/main" id="{9BBC0C84-DC2A-43AE-9576-0A44295E8B9C}"/>
+              </a:ext>
+              <a:ext uri="{C183D7F6-B498-43B3-948B-1728B52AA6E4}">
+                <adec:decorative xmlns:adec="http://schemas.microsoft.com/office/drawing/2017/decorative" val="1"/>
+              </a:ext>
+            </a:extLst>
+          </p:cNvPr>
+          <p:cNvSpPr>
+            <a:spLocks noGrp="1" noRot="1" noChangeAspect="1" noMove="1" noResize="1" noEditPoints="1" noAdjustHandles="1" noChangeArrowheads="1" noChangeShapeType="1" noTextEdit="1"/>
+          </p:cNvSpPr>
+          <p:nvPr>
+            <p:extLst>
+              <p:ext uri="{386F3935-93C4-4BCD-93E2-E3B085C9AB24}">
+                <p16:designElem xmlns:p16="http://schemas.microsoft.com/office/powerpoint/2015/main" val="1"/>
+              </p:ext>
+            </p:extLst>
+          </p:nvPr>
+        </p:nvSpPr>
+        <p:spPr>
+          <a:xfrm>
+            <a:off x="10463725" y="4865965"/>
+            <a:ext cx="293695" cy="293695"/>
+          </a:xfrm>
+          <a:prstGeom prst="ellipse">
+            <a:avLst/>
+          </a:prstGeom>
+          <a:solidFill>
+            <a:schemeClr val="accent4"/>
+          </a:solidFill>
+          <a:ln>
+            <a:noFill/>
+          </a:ln>
+        </p:spPr>
+        <p:style>
+          <a:lnRef idx="2">
+            <a:schemeClr val="accent1">
+              <a:shade val="50000"/>
+            </a:schemeClr>
+          </a:lnRef>
+          <a:fillRef idx="1">
+            <a:schemeClr val="accent1"/>
+          </a:fillRef>
+          <a:effectRef idx="0">
+            <a:schemeClr val="accent1"/>
+          </a:effectRef>
+          <a:fontRef idx="minor">
+            <a:schemeClr val="lt1"/>
+          </a:fontRef>
+        </p:style>
+        <p:txBody>
+          <a:bodyPr rtlCol="0" anchor="ctr"/>
+          <a:lstStyle/>
+          <a:p>
+            <a:pPr marL="0" marR="0" lvl="0" indent="0" algn="ctr" defTabSz="914400" rtl="0" eaLnBrk="1" fontAlgn="auto" latinLnBrk="0" hangingPunct="1">
+              <a:lnSpc>
+                <a:spcPct val="100000"/>
+              </a:lnSpc>
+              <a:spcBef>
+                <a:spcPts val="0"/>
+              </a:spcBef>
+              <a:spcAft>
+                <a:spcPts val="0"/>
+              </a:spcAft>
+              <a:buClrTx/>
+              <a:buSzTx/>
+              <a:buFontTx/>
+              <a:buNone/>
+              <a:tabLst/>
+              <a:defRPr/>
+            </a:pPr>
+            <a:endParaRPr kumimoji="0" lang="en-US" sz="1800" b="0" i="0" u="none" strike="noStrike" kern="1200" cap="none" spc="0" normalizeH="0" baseline="0" noProof="0">
+              <a:ln>
+                <a:noFill/>
+              </a:ln>
+              <a:solidFill>
+                <a:prstClr val="white"/>
+              </a:solidFill>
+              <a:effectLst/>
+              <a:uLnTx/>
+              <a:uFillTx/>
+              <a:latin typeface="Calibri" panose="020F0502020204030204"/>
+              <a:ea typeface="+mn-ea"/>
+              <a:cs typeface="+mn-cs"/>
+            </a:endParaRPr>
+          </a:p>
+        </p:txBody>
+      </p:sp>
+      <p:sp>
+        <p:nvSpPr>
+          <p:cNvPr id="16" name="Freeform: Shape 15">
+            <a:extLst>
+              <a:ext uri="{FF2B5EF4-FFF2-40B4-BE49-F238E27FC236}">
+                <a16:creationId xmlns:a16="http://schemas.microsoft.com/office/drawing/2014/main" id="{11394CD8-BD30-4B74-86F4-51FDF3383419}"/>
+              </a:ext>
+              <a:ext uri="{C183D7F6-B498-43B3-948B-1728B52AA6E4}">
+                <adec:decorative xmlns:adec="http://schemas.microsoft.com/office/drawing/2017/decorative" val="1"/>
+              </a:ext>
+            </a:extLst>
+          </p:cNvPr>
+          <p:cNvSpPr>
+            <a:spLocks noGrp="1" noRot="1" noChangeAspect="1" noMove="1" noResize="1" noEditPoints="1" noAdjustHandles="1" noChangeArrowheads="1" noChangeShapeType="1" noTextEdit="1"/>
+          </p:cNvSpPr>
+          <p:nvPr>
+            <p:extLst>
+              <p:ext uri="{386F3935-93C4-4BCD-93E2-E3B085C9AB24}">
+                <p16:designElem xmlns:p16="http://schemas.microsoft.com/office/powerpoint/2015/main" val="1"/>
+              </p:ext>
+            </p:extLst>
+          </p:nvPr>
+        </p:nvSpPr>
+        <p:spPr>
+          <a:xfrm>
+            <a:off x="6492113" y="0"/>
+            <a:ext cx="5699887" cy="4059244"/>
+          </a:xfrm>
+          <a:custGeom>
+            <a:avLst/>
+            <a:gdLst>
+              <a:gd name="connsiteX0" fmla="*/ 0 w 5699887"/>
+              <a:gd name="connsiteY0" fmla="*/ 0 h 4059244"/>
+              <a:gd name="connsiteX1" fmla="*/ 5699887 w 5699887"/>
+              <a:gd name="connsiteY1" fmla="*/ 0 h 4059244"/>
+              <a:gd name="connsiteX2" fmla="*/ 5699887 w 5699887"/>
+              <a:gd name="connsiteY2" fmla="*/ 3944096 h 4059244"/>
+              <a:gd name="connsiteX3" fmla="*/ 5525775 w 5699887"/>
+              <a:gd name="connsiteY3" fmla="*/ 3980429 h 4059244"/>
+              <a:gd name="connsiteX4" fmla="*/ 4663256 w 5699887"/>
+              <a:gd name="connsiteY4" fmla="*/ 4059244 h 4059244"/>
+              <a:gd name="connsiteX5" fmla="*/ 8566 w 5699887"/>
+              <a:gd name="connsiteY5" fmla="*/ 67422 h 4059244"/>
+            </a:gdLst>
+            <a:ahLst/>
+            <a:cxnLst>
+              <a:cxn ang="0">
+                <a:pos x="connsiteX0" y="connsiteY0"/>
+              </a:cxn>
+              <a:cxn ang="0">
+                <a:pos x="connsiteX1" y="connsiteY1"/>
+              </a:cxn>
+              <a:cxn ang="0">
+                <a:pos x="connsiteX2" y="connsiteY2"/>
+              </a:cxn>
+              <a:cxn ang="0">
+                <a:pos x="connsiteX3" y="connsiteY3"/>
+              </a:cxn>
+              <a:cxn ang="0">
+                <a:pos x="connsiteX4" y="connsiteY4"/>
+              </a:cxn>
+              <a:cxn ang="0">
+                <a:pos x="connsiteX5" y="connsiteY5"/>
+              </a:cxn>
+            </a:cxnLst>
+            <a:rect l="l" t="t" r="r" b="b"/>
+            <a:pathLst>
+              <a:path w="5699887" h="4059244">
+                <a:moveTo>
+                  <a:pt x="0" y="0"/>
+                </a:moveTo>
+                <a:lnTo>
+                  <a:pt x="5699887" y="0"/>
+                </a:lnTo>
+                <a:lnTo>
+                  <a:pt x="5699887" y="3944096"/>
+                </a:lnTo>
+                <a:lnTo>
+                  <a:pt x="5525775" y="3980429"/>
+                </a:lnTo>
+                <a:cubicBezTo>
+                  <a:pt x="5246154" y="4032190"/>
+                  <a:pt x="4957865" y="4059244"/>
+                  <a:pt x="4663256" y="4059244"/>
+                </a:cubicBezTo>
+                <a:cubicBezTo>
+                  <a:pt x="2306390" y="4059244"/>
+                  <a:pt x="353936" y="2327747"/>
+                  <a:pt x="8566" y="67422"/>
+                </a:cubicBezTo>
+                <a:close/>
+              </a:path>
+            </a:pathLst>
+          </a:custGeom>
+          <a:solidFill>
+            <a:srgbClr val="595959"/>
+          </a:solidFill>
+          <a:ln>
+            <a:noFill/>
+          </a:ln>
+        </p:spPr>
+        <p:style>
+          <a:lnRef idx="2">
+            <a:schemeClr val="accent1">
+              <a:shade val="50000"/>
+            </a:schemeClr>
+          </a:lnRef>
+          <a:fillRef idx="1">
+            <a:schemeClr val="accent1"/>
+          </a:fillRef>
+          <a:effectRef idx="0">
+            <a:schemeClr val="accent1"/>
+          </a:effectRef>
+          <a:fontRef idx="minor">
+            <a:schemeClr val="lt1"/>
+          </a:fontRef>
+        </p:style>
+        <p:txBody>
+          <a:bodyPr rtlCol="0" anchor="ctr"/>
+          <a:lstStyle/>
+          <a:p>
+            <a:pPr marL="0" marR="0" lvl="0" indent="0" algn="ctr" defTabSz="914400" rtl="0" eaLnBrk="1" fontAlgn="auto" latinLnBrk="0" hangingPunct="1">
+              <a:lnSpc>
+                <a:spcPct val="100000"/>
+              </a:lnSpc>
+              <a:spcBef>
+                <a:spcPts val="0"/>
+              </a:spcBef>
+              <a:spcAft>
+                <a:spcPts val="0"/>
+              </a:spcAft>
+              <a:buClrTx/>
+              <a:buSzTx/>
+              <a:buFontTx/>
+              <a:buNone/>
+              <a:tabLst/>
+              <a:defRPr/>
+            </a:pPr>
+            <a:endParaRPr kumimoji="0" lang="en-US" sz="1800" b="0" i="0" u="none" strike="noStrike" kern="1200" cap="none" spc="0" normalizeH="0" baseline="0" noProof="0">
+              <a:ln>
+                <a:noFill/>
+              </a:ln>
+              <a:solidFill>
+                <a:prstClr val="white"/>
+              </a:solidFill>
+              <a:effectLst/>
+              <a:uLnTx/>
+              <a:uFillTx/>
+              <a:latin typeface="Calibri" panose="020F0502020204030204"/>
+              <a:ea typeface="+mn-ea"/>
+              <a:cs typeface="+mn-cs"/>
+            </a:endParaRPr>
+          </a:p>
+        </p:txBody>
+      </p:sp>
+      <p:sp>
+        <p:nvSpPr>
+          <p:cNvPr id="2" name="タイトル 1">
+            <a:extLst>
+              <a:ext uri="{FF2B5EF4-FFF2-40B4-BE49-F238E27FC236}">
+                <a16:creationId xmlns:a16="http://schemas.microsoft.com/office/drawing/2014/main" id="{E3A9AA0B-1B3B-42C6-A913-24214DA76A76}"/>
+              </a:ext>
+            </a:extLst>
+          </p:cNvPr>
+          <p:cNvSpPr>
+            <a:spLocks noGrp="1"/>
+          </p:cNvSpPr>
+          <p:nvPr>
+            <p:ph type="title"/>
+          </p:nvPr>
+        </p:nvSpPr>
+        <p:spPr>
+          <a:xfrm>
+            <a:off x="640079" y="4526280"/>
+            <a:ext cx="7410681" cy="1737360"/>
+          </a:xfrm>
+        </p:spPr>
+        <p:txBody>
+          <a:bodyPr>
+            <a:normAutofit/>
+          </a:bodyPr>
+          <a:lstStyle/>
+          <a:p>
+            <a:r>
+              <a:rPr kumimoji="1" lang="ja-JP" altLang="en-US" sz="4800" dirty="0"/>
+              <a:t>募集メンバー</a:t>
+            </a:r>
+          </a:p>
+        </p:txBody>
+      </p:sp>
+      <p:sp>
+        <p:nvSpPr>
+          <p:cNvPr id="3" name="コンテンツ プレースホルダー 2">
+            <a:extLst>
+              <a:ext uri="{FF2B5EF4-FFF2-40B4-BE49-F238E27FC236}">
+                <a16:creationId xmlns:a16="http://schemas.microsoft.com/office/drawing/2014/main" id="{41542D7B-1FF4-4716-837E-CC841F0AE8C3}"/>
+              </a:ext>
+            </a:extLst>
+          </p:cNvPr>
+          <p:cNvSpPr>
+            <a:spLocks noGrp="1"/>
+          </p:cNvSpPr>
+          <p:nvPr>
+            <p:ph idx="1"/>
+          </p:nvPr>
+        </p:nvSpPr>
+        <p:spPr>
+          <a:xfrm>
+            <a:off x="640080" y="595293"/>
+            <a:ext cx="5676637" cy="3463951"/>
+          </a:xfrm>
+        </p:spPr>
+        <p:txBody>
+          <a:bodyPr anchor="ctr">
+            <a:normAutofit/>
+          </a:bodyPr>
+          <a:lstStyle/>
+          <a:p>
+            <a:r>
+              <a:rPr kumimoji="1" lang="ja-JP" altLang="en-US" sz="1800" dirty="0"/>
+              <a:t>プログラマー</a:t>
+            </a:r>
+            <a:endParaRPr kumimoji="1" lang="en-US" altLang="ja-JP" sz="1800" dirty="0"/>
+          </a:p>
+          <a:p>
+            <a:pPr marL="0" indent="0">
+              <a:buNone/>
+            </a:pPr>
+            <a:r>
+              <a:rPr lang="ja-JP" altLang="en-US" sz="1800" dirty="0"/>
+              <a:t>　　いくらでも募集！</a:t>
+            </a:r>
+            <a:endParaRPr kumimoji="1" lang="en-US" altLang="ja-JP" sz="1800" dirty="0"/>
+          </a:p>
+          <a:p>
+            <a:r>
+              <a:rPr lang="ja-JP" altLang="en-US" sz="1800" dirty="0"/>
+              <a:t>グラフィック</a:t>
+            </a:r>
+            <a:endParaRPr lang="en-US" altLang="ja-JP" sz="1800" dirty="0"/>
+          </a:p>
+          <a:p>
+            <a:pPr marL="0" indent="0">
+              <a:buNone/>
+            </a:pPr>
+            <a:r>
+              <a:rPr lang="ja-JP" altLang="en-US" sz="1800" dirty="0"/>
+              <a:t>　　０～３人</a:t>
+            </a:r>
+            <a:endParaRPr lang="en-US" altLang="ja-JP" sz="1800" dirty="0"/>
+          </a:p>
+          <a:p>
+            <a:r>
+              <a:rPr kumimoji="1" lang="ja-JP" altLang="en-US" sz="1800" dirty="0"/>
+              <a:t>ミュージック</a:t>
+            </a:r>
+            <a:endParaRPr kumimoji="1" lang="en-US" altLang="ja-JP" sz="1800" dirty="0"/>
+          </a:p>
+          <a:p>
+            <a:pPr marL="0" indent="0">
+              <a:buNone/>
+            </a:pPr>
+            <a:r>
+              <a:rPr kumimoji="1" lang="ja-JP" altLang="en-US" sz="1800" dirty="0"/>
+              <a:t>　　１～３人</a:t>
+            </a:r>
+            <a:endParaRPr kumimoji="1" lang="en-US" altLang="ja-JP" sz="1800" dirty="0"/>
+          </a:p>
+          <a:p>
+            <a:r>
+              <a:rPr lang="ja-JP" altLang="en-US" sz="1800" dirty="0"/>
+              <a:t>シナリオ</a:t>
+            </a:r>
+            <a:endParaRPr lang="en-US" altLang="ja-JP" sz="1800" dirty="0"/>
+          </a:p>
+          <a:p>
+            <a:pPr marL="0" indent="0">
+              <a:buNone/>
+            </a:pPr>
+            <a:r>
+              <a:rPr kumimoji="1" lang="ja-JP" altLang="en-US" sz="1800" dirty="0"/>
+              <a:t>　　１人</a:t>
+            </a:r>
+          </a:p>
+        </p:txBody>
+      </p:sp>
+    </p:spTree>
+    <p:extLst>
+      <p:ext uri="{BB962C8B-B14F-4D97-AF65-F5344CB8AC3E}">
+        <p14:creationId xmlns:p14="http://schemas.microsoft.com/office/powerpoint/2010/main" val="1440111385"/>
+      </p:ext>
+    </p:extLst>
+  </p:cSld>
+  <p:clrMapOvr>
+    <a:masterClrMapping/>
+  </p:clrMapOvr>
+  <mc:AlternateContent xmlns:mc="http://schemas.openxmlformats.org/markup-compatibility/2006">
+    <mc:Choice xmlns:p14="http://schemas.microsoft.com/office/powerpoint/2010/main" Requires="p14">
+      <p:transition spd="med" p14:dur="700">
+        <p:fade/>
+      </p:transition>
+    </mc:Choice>
+    <mc:Fallback>
+      <p:transition spd="med">
+        <p:fade/>
+      </p:transition>
+    </mc:Fallback>
+  </mc:AlternateContent>
+</p:sld>
+</file>
+
+<file path=ppt/slides/slide8.xml><?xml version="1.0" encoding="utf-8"?>
+<p:sld xmlns:a="http://schemas.openxmlformats.org/drawingml/2006/main" xmlns:r="http://schemas.openxmlformats.org/officeDocument/2006/relationships" xmlns:p="http://schemas.openxmlformats.org/presentationml/2006/main">
+  <p:cSld>
+    <p:bg>
+      <p:bgPr>
+        <a:solidFill>
+          <a:schemeClr val="bg1"/>
+        </a:solidFill>
+        <a:effectLst/>
+      </p:bgPr>
+    </p:bg>
+    <p:spTree>
+      <p:nvGrpSpPr>
+        <p:cNvPr id="1" name=""/>
+        <p:cNvGrpSpPr/>
+        <p:nvPr/>
+      </p:nvGrpSpPr>
+      <p:grpSpPr>
+        <a:xfrm>
+          <a:off x="0" y="0"/>
+          <a:ext cx="0" cy="0"/>
+          <a:chOff x="0" y="0"/>
+          <a:chExt cx="0" cy="0"/>
+        </a:xfrm>
+      </p:grpSpPr>
+      <p:sp useBgFill="1">
+        <p:nvSpPr>
+          <p:cNvPr id="22" name="Rectangle 7">
+            <a:extLst>
+              <a:ext uri="{FF2B5EF4-FFF2-40B4-BE49-F238E27FC236}">
+                <a16:creationId xmlns:a16="http://schemas.microsoft.com/office/drawing/2014/main" id="{E4F9F79B-A093-478E-96B5-EE02BC93A858}"/>
+              </a:ext>
+              <a:ext uri="{C183D7F6-B498-43B3-948B-1728B52AA6E4}">
+                <adec:decorative xmlns:adec="http://schemas.microsoft.com/office/drawing/2017/decorative" val="1"/>
+              </a:ext>
+            </a:extLst>
+          </p:cNvPr>
+          <p:cNvSpPr>
+            <a:spLocks noGrp="1" noRot="1" noChangeAspect="1" noMove="1" noResize="1" noEditPoints="1" noAdjustHandles="1" noChangeArrowheads="1" noChangeShapeType="1" noTextEdit="1"/>
+          </p:cNvSpPr>
+          <p:nvPr>
+            <p:extLst>
+              <p:ext uri="{386F3935-93C4-4BCD-93E2-E3B085C9AB24}">
+                <p16:designElem xmlns:p16="http://schemas.microsoft.com/office/powerpoint/2015/main" val="1"/>
+              </p:ext>
+            </p:extLst>
+          </p:nvPr>
+        </p:nvSpPr>
+        <p:spPr>
+          <a:xfrm>
+            <a:off x="0" y="0"/>
+            <a:ext cx="12192000" cy="6858000"/>
+          </a:xfrm>
+          <a:prstGeom prst="rect">
+            <a:avLst/>
+          </a:prstGeom>
+          <a:ln>
+            <a:noFill/>
+          </a:ln>
+        </p:spPr>
+        <p:style>
+          <a:lnRef idx="2">
+            <a:schemeClr val="accent1">
+              <a:shade val="50000"/>
+            </a:schemeClr>
+          </a:lnRef>
+          <a:fillRef idx="1">
+            <a:schemeClr val="accent1"/>
+          </a:fillRef>
+          <a:effectRef idx="0">
+            <a:schemeClr val="accent1"/>
+          </a:effectRef>
+          <a:fontRef idx="minor">
+            <a:schemeClr val="lt1"/>
+          </a:fontRef>
+        </p:style>
+        <p:txBody>
+          <a:bodyPr rtlCol="0" anchor="ctr"/>
+          <a:lstStyle/>
+          <a:p>
+            <a:pPr marL="0" marR="0" lvl="0" indent="0" algn="ctr" defTabSz="914400" rtl="0" eaLnBrk="1" fontAlgn="auto" latinLnBrk="0" hangingPunct="1">
+              <a:lnSpc>
+                <a:spcPct val="100000"/>
+              </a:lnSpc>
+              <a:spcBef>
+                <a:spcPts val="0"/>
+              </a:spcBef>
+              <a:spcAft>
+                <a:spcPts val="0"/>
+              </a:spcAft>
+              <a:buClrTx/>
+              <a:buSzTx/>
+              <a:buFontTx/>
+              <a:buNone/>
+              <a:tabLst/>
+              <a:defRPr/>
+            </a:pPr>
+            <a:endParaRPr kumimoji="0" lang="en-US" sz="1800" b="0" i="0" u="none" strike="noStrike" kern="1200" cap="none" spc="0" normalizeH="0" baseline="0" noProof="0">
+              <a:ln>
+                <a:noFill/>
+              </a:ln>
+              <a:solidFill>
+                <a:prstClr val="white"/>
+              </a:solidFill>
+              <a:effectLst/>
+              <a:uLnTx/>
+              <a:uFillTx/>
+              <a:latin typeface="Calibri" panose="020F0502020204030204"/>
+              <a:ea typeface="+mn-ea"/>
+              <a:cs typeface="+mn-cs"/>
+            </a:endParaRPr>
+          </a:p>
+        </p:txBody>
+      </p:sp>
+      <p:cxnSp>
+        <p:nvCxnSpPr>
+          <p:cNvPr id="10" name="Straight Connector 9">
+            <a:extLst>
+              <a:ext uri="{FF2B5EF4-FFF2-40B4-BE49-F238E27FC236}">
+                <a16:creationId xmlns:a16="http://schemas.microsoft.com/office/drawing/2014/main" id="{D4C22394-EBC2-4FAF-A555-6C02D589EED7}"/>
+              </a:ext>
+              <a:ext uri="{C183D7F6-B498-43B3-948B-1728B52AA6E4}">
+                <adec:decorative xmlns:adec="http://schemas.microsoft.com/office/drawing/2017/decorative" val="1"/>
+              </a:ext>
+            </a:extLst>
+          </p:cNvPr>
+          <p:cNvCxnSpPr>
+            <a:cxnSpLocks noGrp="1" noRot="1" noChangeAspect="1" noMove="1" noResize="1" noEditPoints="1" noAdjustHandles="1" noChangeArrowheads="1" noChangeShapeType="1"/>
+          </p:cNvCxnSpPr>
+          <p:nvPr>
+            <p:extLst>
+              <p:ext uri="{386F3935-93C4-4BCD-93E2-E3B085C9AB24}">
+                <p16:designElem xmlns:p16="http://schemas.microsoft.com/office/powerpoint/2015/main" val="1"/>
+              </p:ext>
+            </p:extLst>
+          </p:nvPr>
+        </p:nvCxnSpPr>
+        <p:spPr>
+          <a:xfrm rot="16200000">
+            <a:off x="1508760" y="3431556"/>
+            <a:ext cx="0" cy="1737360"/>
+          </a:xfrm>
+          <a:prstGeom prst="line">
+            <a:avLst/>
+          </a:prstGeom>
+          <a:ln w="19050" cap="sq">
+            <a:solidFill>
+              <a:schemeClr val="tx1"/>
+            </a:solidFill>
+          </a:ln>
+        </p:spPr>
+        <p:style>
+          <a:lnRef idx="1">
+            <a:schemeClr val="accent1"/>
+          </a:lnRef>
+          <a:fillRef idx="0">
+            <a:schemeClr val="accent1"/>
+          </a:fillRef>
+          <a:effectRef idx="0">
+            <a:schemeClr val="accent1"/>
+          </a:effectRef>
+          <a:fontRef idx="minor">
+            <a:schemeClr val="tx1"/>
+          </a:fontRef>
+        </p:style>
+      </p:cxnSp>
+      <p:sp>
+        <p:nvSpPr>
+          <p:cNvPr id="12" name="Oval 11">
+            <a:extLst>
+              <a:ext uri="{FF2B5EF4-FFF2-40B4-BE49-F238E27FC236}">
+                <a16:creationId xmlns:a16="http://schemas.microsoft.com/office/drawing/2014/main" id="{F7194F93-1F71-4A70-9DF1-28F183771111}"/>
+              </a:ext>
+              <a:ext uri="{C183D7F6-B498-43B3-948B-1728B52AA6E4}">
+                <adec:decorative xmlns:adec="http://schemas.microsoft.com/office/drawing/2017/decorative" val="1"/>
+              </a:ext>
+            </a:extLst>
+          </p:cNvPr>
+          <p:cNvSpPr>
+            <a:spLocks noGrp="1" noRot="1" noChangeAspect="1" noMove="1" noResize="1" noEditPoints="1" noAdjustHandles="1" noChangeArrowheads="1" noChangeShapeType="1" noTextEdit="1"/>
+          </p:cNvSpPr>
+          <p:nvPr>
+            <p:extLst>
+              <p:ext uri="{386F3935-93C4-4BCD-93E2-E3B085C9AB24}">
+                <p16:designElem xmlns:p16="http://schemas.microsoft.com/office/powerpoint/2015/main" val="1"/>
+              </p:ext>
+            </p:extLst>
+          </p:nvPr>
+        </p:nvSpPr>
+        <p:spPr>
+          <a:xfrm>
+            <a:off x="8732897" y="5004581"/>
+            <a:ext cx="962395" cy="962395"/>
+          </a:xfrm>
+          <a:prstGeom prst="ellipse">
+            <a:avLst/>
+          </a:prstGeom>
+          <a:solidFill>
+            <a:schemeClr val="accent1"/>
+          </a:solidFill>
+          <a:ln>
+            <a:noFill/>
+          </a:ln>
+        </p:spPr>
+        <p:style>
+          <a:lnRef idx="2">
+            <a:schemeClr val="accent1">
+              <a:shade val="50000"/>
+            </a:schemeClr>
+          </a:lnRef>
+          <a:fillRef idx="1">
+            <a:schemeClr val="accent1"/>
+          </a:fillRef>
+          <a:effectRef idx="0">
+            <a:schemeClr val="accent1"/>
+          </a:effectRef>
+          <a:fontRef idx="minor">
+            <a:schemeClr val="lt1"/>
+          </a:fontRef>
+        </p:style>
+        <p:txBody>
+          <a:bodyPr rtlCol="0" anchor="ctr"/>
+          <a:lstStyle/>
+          <a:p>
+            <a:pPr marL="0" marR="0" lvl="0" indent="0" algn="ctr" defTabSz="914400" rtl="0" eaLnBrk="1" fontAlgn="auto" latinLnBrk="0" hangingPunct="1">
+              <a:lnSpc>
+                <a:spcPct val="100000"/>
+              </a:lnSpc>
+              <a:spcBef>
+                <a:spcPts val="0"/>
+              </a:spcBef>
+              <a:spcAft>
+                <a:spcPts val="0"/>
+              </a:spcAft>
+              <a:buClrTx/>
+              <a:buSzTx/>
+              <a:buFontTx/>
+              <a:buNone/>
+              <a:tabLst/>
+              <a:defRPr/>
+            </a:pPr>
+            <a:endParaRPr kumimoji="0" lang="en-US" sz="1800" b="0" i="0" u="none" strike="noStrike" kern="1200" cap="none" spc="0" normalizeH="0" baseline="0" noProof="0">
+              <a:ln>
+                <a:noFill/>
+              </a:ln>
+              <a:solidFill>
+                <a:prstClr val="white"/>
+              </a:solidFill>
+              <a:effectLst/>
+              <a:uLnTx/>
+              <a:uFillTx/>
+              <a:latin typeface="Calibri" panose="020F0502020204030204"/>
+              <a:ea typeface="+mn-ea"/>
+              <a:cs typeface="+mn-cs"/>
+            </a:endParaRPr>
+          </a:p>
+        </p:txBody>
+      </p:sp>
+      <p:sp>
+        <p:nvSpPr>
+          <p:cNvPr id="14" name="Oval 13">
+            <a:extLst>
+              <a:ext uri="{FF2B5EF4-FFF2-40B4-BE49-F238E27FC236}">
+                <a16:creationId xmlns:a16="http://schemas.microsoft.com/office/drawing/2014/main" id="{9BBC0C84-DC2A-43AE-9576-0A44295E8B9C}"/>
+              </a:ext>
+              <a:ext uri="{C183D7F6-B498-43B3-948B-1728B52AA6E4}">
+                <adec:decorative xmlns:adec="http://schemas.microsoft.com/office/drawing/2017/decorative" val="1"/>
+              </a:ext>
+            </a:extLst>
+          </p:cNvPr>
+          <p:cNvSpPr>
+            <a:spLocks noGrp="1" noRot="1" noChangeAspect="1" noMove="1" noResize="1" noEditPoints="1" noAdjustHandles="1" noChangeArrowheads="1" noChangeShapeType="1" noTextEdit="1"/>
+          </p:cNvSpPr>
+          <p:nvPr>
+            <p:extLst>
+              <p:ext uri="{386F3935-93C4-4BCD-93E2-E3B085C9AB24}">
+                <p16:designElem xmlns:p16="http://schemas.microsoft.com/office/powerpoint/2015/main" val="1"/>
+              </p:ext>
+            </p:extLst>
+          </p:nvPr>
+        </p:nvSpPr>
+        <p:spPr>
+          <a:xfrm>
+            <a:off x="10463725" y="4865965"/>
+            <a:ext cx="293695" cy="293695"/>
+          </a:xfrm>
+          <a:prstGeom prst="ellipse">
+            <a:avLst/>
+          </a:prstGeom>
+          <a:solidFill>
+            <a:schemeClr val="accent4"/>
+          </a:solidFill>
+          <a:ln>
+            <a:noFill/>
+          </a:ln>
+        </p:spPr>
+        <p:style>
+          <a:lnRef idx="2">
+            <a:schemeClr val="accent1">
+              <a:shade val="50000"/>
+            </a:schemeClr>
+          </a:lnRef>
+          <a:fillRef idx="1">
+            <a:schemeClr val="accent1"/>
+          </a:fillRef>
+          <a:effectRef idx="0">
+            <a:schemeClr val="accent1"/>
+          </a:effectRef>
+          <a:fontRef idx="minor">
+            <a:schemeClr val="lt1"/>
+          </a:fontRef>
+        </p:style>
+        <p:txBody>
+          <a:bodyPr rtlCol="0" anchor="ctr"/>
+          <a:lstStyle/>
+          <a:p>
+            <a:pPr marL="0" marR="0" lvl="0" indent="0" algn="ctr" defTabSz="914400" rtl="0" eaLnBrk="1" fontAlgn="auto" latinLnBrk="0" hangingPunct="1">
+              <a:lnSpc>
+                <a:spcPct val="100000"/>
+              </a:lnSpc>
+              <a:spcBef>
+                <a:spcPts val="0"/>
+              </a:spcBef>
+              <a:spcAft>
+                <a:spcPts val="0"/>
+              </a:spcAft>
+              <a:buClrTx/>
+              <a:buSzTx/>
+              <a:buFontTx/>
+              <a:buNone/>
+              <a:tabLst/>
+              <a:defRPr/>
+            </a:pPr>
+            <a:endParaRPr kumimoji="0" lang="en-US" sz="1800" b="0" i="0" u="none" strike="noStrike" kern="1200" cap="none" spc="0" normalizeH="0" baseline="0" noProof="0">
+              <a:ln>
+                <a:noFill/>
+              </a:ln>
+              <a:solidFill>
+                <a:prstClr val="white"/>
+              </a:solidFill>
+              <a:effectLst/>
+              <a:uLnTx/>
+              <a:uFillTx/>
+              <a:latin typeface="Calibri" panose="020F0502020204030204"/>
+              <a:ea typeface="+mn-ea"/>
+              <a:cs typeface="+mn-cs"/>
+            </a:endParaRPr>
+          </a:p>
+        </p:txBody>
+      </p:sp>
+      <p:sp>
+        <p:nvSpPr>
+          <p:cNvPr id="16" name="Freeform: Shape 15">
+            <a:extLst>
+              <a:ext uri="{FF2B5EF4-FFF2-40B4-BE49-F238E27FC236}">
+                <a16:creationId xmlns:a16="http://schemas.microsoft.com/office/drawing/2014/main" id="{11394CD8-BD30-4B74-86F4-51FDF3383419}"/>
+              </a:ext>
+              <a:ext uri="{C183D7F6-B498-43B3-948B-1728B52AA6E4}">
+                <adec:decorative xmlns:adec="http://schemas.microsoft.com/office/drawing/2017/decorative" val="1"/>
+              </a:ext>
+            </a:extLst>
+          </p:cNvPr>
+          <p:cNvSpPr>
+            <a:spLocks noGrp="1" noRot="1" noChangeAspect="1" noMove="1" noResize="1" noEditPoints="1" noAdjustHandles="1" noChangeArrowheads="1" noChangeShapeType="1" noTextEdit="1"/>
+          </p:cNvSpPr>
+          <p:nvPr>
+            <p:extLst>
+              <p:ext uri="{386F3935-93C4-4BCD-93E2-E3B085C9AB24}">
+                <p16:designElem xmlns:p16="http://schemas.microsoft.com/office/powerpoint/2015/main" val="1"/>
+              </p:ext>
+            </p:extLst>
+          </p:nvPr>
+        </p:nvSpPr>
+        <p:spPr>
+          <a:xfrm>
+            <a:off x="6492113" y="0"/>
+            <a:ext cx="5699887" cy="4059244"/>
+          </a:xfrm>
+          <a:custGeom>
+            <a:avLst/>
+            <a:gdLst>
+              <a:gd name="connsiteX0" fmla="*/ 0 w 5699887"/>
+              <a:gd name="connsiteY0" fmla="*/ 0 h 4059244"/>
+              <a:gd name="connsiteX1" fmla="*/ 5699887 w 5699887"/>
+              <a:gd name="connsiteY1" fmla="*/ 0 h 4059244"/>
+              <a:gd name="connsiteX2" fmla="*/ 5699887 w 5699887"/>
+              <a:gd name="connsiteY2" fmla="*/ 3944096 h 4059244"/>
+              <a:gd name="connsiteX3" fmla="*/ 5525775 w 5699887"/>
+              <a:gd name="connsiteY3" fmla="*/ 3980429 h 4059244"/>
+              <a:gd name="connsiteX4" fmla="*/ 4663256 w 5699887"/>
+              <a:gd name="connsiteY4" fmla="*/ 4059244 h 4059244"/>
+              <a:gd name="connsiteX5" fmla="*/ 8566 w 5699887"/>
+              <a:gd name="connsiteY5" fmla="*/ 67422 h 4059244"/>
+            </a:gdLst>
+            <a:ahLst/>
+            <a:cxnLst>
+              <a:cxn ang="0">
+                <a:pos x="connsiteX0" y="connsiteY0"/>
+              </a:cxn>
+              <a:cxn ang="0">
+                <a:pos x="connsiteX1" y="connsiteY1"/>
+              </a:cxn>
+              <a:cxn ang="0">
+                <a:pos x="connsiteX2" y="connsiteY2"/>
+              </a:cxn>
+              <a:cxn ang="0">
+                <a:pos x="connsiteX3" y="connsiteY3"/>
+              </a:cxn>
+              <a:cxn ang="0">
+                <a:pos x="connsiteX4" y="connsiteY4"/>
+              </a:cxn>
+              <a:cxn ang="0">
+                <a:pos x="connsiteX5" y="connsiteY5"/>
+              </a:cxn>
+            </a:cxnLst>
+            <a:rect l="l" t="t" r="r" b="b"/>
+            <a:pathLst>
+              <a:path w="5699887" h="4059244">
+                <a:moveTo>
+                  <a:pt x="0" y="0"/>
+                </a:moveTo>
+                <a:lnTo>
+                  <a:pt x="5699887" y="0"/>
+                </a:lnTo>
+                <a:lnTo>
+                  <a:pt x="5699887" y="3944096"/>
+                </a:lnTo>
+                <a:lnTo>
+                  <a:pt x="5525775" y="3980429"/>
+                </a:lnTo>
+                <a:cubicBezTo>
+                  <a:pt x="5246154" y="4032190"/>
+                  <a:pt x="4957865" y="4059244"/>
+                  <a:pt x="4663256" y="4059244"/>
+                </a:cubicBezTo>
+                <a:cubicBezTo>
+                  <a:pt x="2306390" y="4059244"/>
+                  <a:pt x="353936" y="2327747"/>
+                  <a:pt x="8566" y="67422"/>
+                </a:cubicBezTo>
+                <a:close/>
+              </a:path>
+            </a:pathLst>
+          </a:custGeom>
+          <a:solidFill>
+            <a:srgbClr val="595959"/>
+          </a:solidFill>
+          <a:ln>
+            <a:noFill/>
+          </a:ln>
+        </p:spPr>
+        <p:style>
+          <a:lnRef idx="2">
+            <a:schemeClr val="accent1">
+              <a:shade val="50000"/>
+            </a:schemeClr>
+          </a:lnRef>
+          <a:fillRef idx="1">
+            <a:schemeClr val="accent1"/>
+          </a:fillRef>
+          <a:effectRef idx="0">
+            <a:schemeClr val="accent1"/>
+          </a:effectRef>
+          <a:fontRef idx="minor">
+            <a:schemeClr val="lt1"/>
+          </a:fontRef>
+        </p:style>
+        <p:txBody>
+          <a:bodyPr rtlCol="0" anchor="ctr"/>
+          <a:lstStyle/>
+          <a:p>
+            <a:pPr marL="0" marR="0" lvl="0" indent="0" algn="ctr" defTabSz="914400" rtl="0" eaLnBrk="1" fontAlgn="auto" latinLnBrk="0" hangingPunct="1">
+              <a:lnSpc>
+                <a:spcPct val="100000"/>
+              </a:lnSpc>
+              <a:spcBef>
+                <a:spcPts val="0"/>
+              </a:spcBef>
+              <a:spcAft>
+                <a:spcPts val="0"/>
+              </a:spcAft>
+              <a:buClrTx/>
+              <a:buSzTx/>
+              <a:buFontTx/>
+              <a:buNone/>
+              <a:tabLst/>
+              <a:defRPr/>
+            </a:pPr>
+            <a:endParaRPr kumimoji="0" lang="en-US" sz="1800" b="0" i="0" u="none" strike="noStrike" kern="1200" cap="none" spc="0" normalizeH="0" baseline="0" noProof="0">
+              <a:ln>
+                <a:noFill/>
+              </a:ln>
+              <a:solidFill>
+                <a:prstClr val="white"/>
+              </a:solidFill>
+              <a:effectLst/>
+              <a:uLnTx/>
+              <a:uFillTx/>
+              <a:latin typeface="Calibri" panose="020F0502020204030204"/>
+              <a:ea typeface="+mn-ea"/>
+              <a:cs typeface="+mn-cs"/>
+            </a:endParaRPr>
+          </a:p>
+        </p:txBody>
+      </p:sp>
+      <p:sp>
+        <p:nvSpPr>
+          <p:cNvPr id="2" name="タイトル 1">
+            <a:extLst>
+              <a:ext uri="{FF2B5EF4-FFF2-40B4-BE49-F238E27FC236}">
+                <a16:creationId xmlns:a16="http://schemas.microsoft.com/office/drawing/2014/main" id="{E3A9AA0B-1B3B-42C6-A913-24214DA76A76}"/>
+              </a:ext>
+            </a:extLst>
+          </p:cNvPr>
+          <p:cNvSpPr>
+            <a:spLocks noGrp="1"/>
+          </p:cNvSpPr>
+          <p:nvPr>
+            <p:ph type="title"/>
+          </p:nvPr>
+        </p:nvSpPr>
+        <p:spPr>
+          <a:xfrm>
+            <a:off x="640079" y="4526280"/>
+            <a:ext cx="7410681" cy="1737360"/>
+          </a:xfrm>
+        </p:spPr>
+        <p:txBody>
+          <a:bodyPr>
+            <a:normAutofit/>
+          </a:bodyPr>
+          <a:lstStyle/>
+          <a:p>
+            <a:r>
+              <a:rPr kumimoji="1" lang="ja-JP" altLang="en-US" sz="4800" dirty="0"/>
+              <a:t>プログラマー募集要項</a:t>
+            </a:r>
+          </a:p>
+        </p:txBody>
+      </p:sp>
+      <p:sp>
+        <p:nvSpPr>
+          <p:cNvPr id="3" name="コンテンツ プレースホルダー 2">
+            <a:extLst>
+              <a:ext uri="{FF2B5EF4-FFF2-40B4-BE49-F238E27FC236}">
+                <a16:creationId xmlns:a16="http://schemas.microsoft.com/office/drawing/2014/main" id="{41542D7B-1FF4-4716-837E-CC841F0AE8C3}"/>
+              </a:ext>
+            </a:extLst>
+          </p:cNvPr>
+          <p:cNvSpPr>
+            <a:spLocks noGrp="1"/>
+          </p:cNvSpPr>
+          <p:nvPr>
+            <p:ph idx="1"/>
+          </p:nvPr>
+        </p:nvSpPr>
+        <p:spPr>
+          <a:xfrm>
+            <a:off x="640080" y="595293"/>
+            <a:ext cx="5676637" cy="3463951"/>
+          </a:xfrm>
+        </p:spPr>
+        <p:txBody>
+          <a:bodyPr anchor="ctr">
+            <a:normAutofit/>
+          </a:bodyPr>
+          <a:lstStyle/>
+          <a:p>
+            <a:r>
+              <a:rPr kumimoji="1" lang="ja-JP" altLang="en-US" sz="1800" dirty="0"/>
+              <a:t>開発環境は</a:t>
+            </a:r>
+            <a:r>
+              <a:rPr kumimoji="1" lang="en-US" altLang="ja-JP" sz="1800" dirty="0"/>
+              <a:t>DX</a:t>
+            </a:r>
+            <a:r>
+              <a:rPr kumimoji="1" lang="ja-JP" altLang="en-US" sz="1800" dirty="0"/>
+              <a:t>ライブラリ</a:t>
+            </a:r>
+            <a:r>
+              <a:rPr lang="ja-JP" altLang="en-US" sz="1800" dirty="0"/>
+              <a:t>！</a:t>
+            </a:r>
+            <a:endParaRPr lang="en-US" altLang="ja-JP" sz="1800" dirty="0"/>
+          </a:p>
+          <a:p>
+            <a:pPr marL="0" indent="0">
+              <a:buNone/>
+            </a:pPr>
+            <a:r>
+              <a:rPr kumimoji="1" lang="ja-JP" altLang="en-US" sz="1800" dirty="0"/>
+              <a:t>　</a:t>
+            </a:r>
+            <a:r>
+              <a:rPr kumimoji="1" lang="en-US" altLang="ja-JP" sz="1800" dirty="0"/>
+              <a:t>Visual Studio 2017</a:t>
+            </a:r>
+            <a:r>
+              <a:rPr kumimoji="1" lang="ja-JP" altLang="en-US" sz="1800" dirty="0" err="1"/>
+              <a:t>、</a:t>
+            </a:r>
+            <a:r>
+              <a:rPr kumimoji="1" lang="en-US" altLang="ja-JP" sz="1800" dirty="0"/>
+              <a:t>GitHub</a:t>
+            </a:r>
+            <a:r>
+              <a:rPr kumimoji="1" lang="ja-JP" altLang="en-US" sz="1800" dirty="0"/>
+              <a:t>等々</a:t>
+            </a:r>
+            <a:endParaRPr kumimoji="1" lang="en-US" altLang="ja-JP" sz="1800" dirty="0"/>
+          </a:p>
+          <a:p>
+            <a:pPr marL="0" indent="0">
+              <a:buNone/>
+            </a:pPr>
+            <a:r>
+              <a:rPr lang="ja-JP" altLang="en-US" sz="1800" dirty="0"/>
+              <a:t>　使用言語は</a:t>
+            </a:r>
+            <a:r>
+              <a:rPr lang="en-US" altLang="ja-JP" sz="1800" dirty="0"/>
+              <a:t>C++</a:t>
+            </a:r>
+            <a:endParaRPr kumimoji="1" lang="en-US" altLang="ja-JP" sz="1800" dirty="0"/>
+          </a:p>
+          <a:p>
+            <a:endParaRPr lang="en-US" altLang="ja-JP" sz="1800" dirty="0"/>
+          </a:p>
+          <a:p>
+            <a:r>
+              <a:rPr lang="ja-JP" altLang="en-US" sz="1800" dirty="0"/>
+              <a:t>活動日には勉強会も！</a:t>
+            </a:r>
+            <a:endParaRPr lang="en-US" altLang="ja-JP" sz="1800" dirty="0"/>
+          </a:p>
+          <a:p>
+            <a:pPr marL="0" indent="0">
+              <a:buNone/>
+            </a:pPr>
+            <a:r>
+              <a:rPr lang="ja-JP" altLang="en-US" sz="1800" dirty="0"/>
+              <a:t>　企画のコードを中心に、</a:t>
+            </a:r>
+            <a:r>
+              <a:rPr lang="en-US" altLang="ja-JP" sz="1800" dirty="0"/>
+              <a:t>C++</a:t>
+            </a:r>
+            <a:r>
+              <a:rPr lang="ja-JP" altLang="en-US" sz="1800" dirty="0"/>
+              <a:t>や</a:t>
+            </a:r>
+            <a:r>
+              <a:rPr lang="en-US" altLang="ja-JP" sz="1800" dirty="0"/>
+              <a:t>DX</a:t>
+            </a:r>
+            <a:r>
+              <a:rPr lang="ja-JP" altLang="en-US" sz="1800" dirty="0"/>
+              <a:t>ライブラリなどの知識を学ぶことが出来る</a:t>
+            </a:r>
+            <a:endParaRPr lang="en-US" altLang="ja-JP" sz="1800" dirty="0"/>
+          </a:p>
+        </p:txBody>
+      </p:sp>
+    </p:spTree>
+    <p:extLst>
+      <p:ext uri="{BB962C8B-B14F-4D97-AF65-F5344CB8AC3E}">
+        <p14:creationId xmlns:p14="http://schemas.microsoft.com/office/powerpoint/2010/main" val="3211537212"/>
+      </p:ext>
+    </p:extLst>
+  </p:cSld>
+  <p:clrMapOvr>
+    <a:masterClrMapping/>
+  </p:clrMapOvr>
+  <mc:AlternateContent xmlns:mc="http://schemas.openxmlformats.org/markup-compatibility/2006">
+    <mc:Choice xmlns:p14="http://schemas.microsoft.com/office/powerpoint/2010/main" Requires="p14">
+      <p:transition spd="med" p14:dur="700">
+        <p:fade/>
+      </p:transition>
+    </mc:Choice>
+    <mc:Fallback>
+      <p:transition spd="med">
+        <p:fade/>
+      </p:transition>
+    </mc:Fallback>
+  </mc:AlternateContent>
+</p:sld>
+</file>
+
+<file path=ppt/slides/slide9.xml><?xml version="1.0" encoding="utf-8"?>
+<p:sld xmlns:a="http://schemas.openxmlformats.org/drawingml/2006/main" xmlns:r="http://schemas.openxmlformats.org/officeDocument/2006/relationships" xmlns:p="http://schemas.openxmlformats.org/presentationml/2006/main">
+  <p:cSld>
+    <p:bg>
+      <p:bgPr>
+        <a:solidFill>
+          <a:schemeClr val="bg1"/>
+        </a:solidFill>
+        <a:effectLst/>
+      </p:bgPr>
+    </p:bg>
+    <p:spTree>
+      <p:nvGrpSpPr>
+        <p:cNvPr id="1" name=""/>
+        <p:cNvGrpSpPr/>
+        <p:nvPr/>
+      </p:nvGrpSpPr>
+      <p:grpSpPr>
+        <a:xfrm>
+          <a:off x="0" y="0"/>
+          <a:ext cx="0" cy="0"/>
+          <a:chOff x="0" y="0"/>
+          <a:chExt cx="0" cy="0"/>
+        </a:xfrm>
+      </p:grpSpPr>
+      <p:sp useBgFill="1">
+        <p:nvSpPr>
+          <p:cNvPr id="22" name="Rectangle 7">
+            <a:extLst>
+              <a:ext uri="{FF2B5EF4-FFF2-40B4-BE49-F238E27FC236}">
+                <a16:creationId xmlns:a16="http://schemas.microsoft.com/office/drawing/2014/main" id="{E4F9F79B-A093-478E-96B5-EE02BC93A858}"/>
+              </a:ext>
+              <a:ext uri="{C183D7F6-B498-43B3-948B-1728B52AA6E4}">
+                <adec:decorative xmlns:adec="http://schemas.microsoft.com/office/drawing/2017/decorative" val="1"/>
+              </a:ext>
+            </a:extLst>
+          </p:cNvPr>
+          <p:cNvSpPr>
+            <a:spLocks noGrp="1" noRot="1" noChangeAspect="1" noMove="1" noResize="1" noEditPoints="1" noAdjustHandles="1" noChangeArrowheads="1" noChangeShapeType="1" noTextEdit="1"/>
+          </p:cNvSpPr>
+          <p:nvPr>
+            <p:extLst>
+              <p:ext uri="{386F3935-93C4-4BCD-93E2-E3B085C9AB24}">
+                <p16:designElem xmlns:p16="http://schemas.microsoft.com/office/powerpoint/2015/main" val="1"/>
+              </p:ext>
+            </p:extLst>
+          </p:nvPr>
+        </p:nvSpPr>
+        <p:spPr>
+          <a:xfrm>
+            <a:off x="0" y="0"/>
+            <a:ext cx="12192000" cy="6858000"/>
+          </a:xfrm>
+          <a:prstGeom prst="rect">
+            <a:avLst/>
+          </a:prstGeom>
+          <a:ln>
+            <a:noFill/>
+          </a:ln>
+        </p:spPr>
+        <p:style>
+          <a:lnRef idx="2">
+            <a:schemeClr val="accent1">
+              <a:shade val="50000"/>
+            </a:schemeClr>
+          </a:lnRef>
+          <a:fillRef idx="1">
+            <a:schemeClr val="accent1"/>
+          </a:fillRef>
+          <a:effectRef idx="0">
+            <a:schemeClr val="accent1"/>
+          </a:effectRef>
+          <a:fontRef idx="minor">
+            <a:schemeClr val="lt1"/>
+          </a:fontRef>
+        </p:style>
+        <p:txBody>
+          <a:bodyPr rtlCol="0" anchor="ctr"/>
+          <a:lstStyle/>
+          <a:p>
+            <a:pPr marL="0" marR="0" lvl="0" indent="0" algn="ctr" defTabSz="914400" rtl="0" eaLnBrk="1" fontAlgn="auto" latinLnBrk="0" hangingPunct="1">
+              <a:lnSpc>
+                <a:spcPct val="100000"/>
+              </a:lnSpc>
+              <a:spcBef>
+                <a:spcPts val="0"/>
+              </a:spcBef>
+              <a:spcAft>
+                <a:spcPts val="0"/>
+              </a:spcAft>
+              <a:buClrTx/>
+              <a:buSzTx/>
+              <a:buFontTx/>
+              <a:buNone/>
+              <a:tabLst/>
+              <a:defRPr/>
+            </a:pPr>
+            <a:endParaRPr kumimoji="0" lang="en-US" sz="1800" b="0" i="0" u="none" strike="noStrike" kern="1200" cap="none" spc="0" normalizeH="0" baseline="0" noProof="0">
+              <a:ln>
+                <a:noFill/>
+              </a:ln>
+              <a:solidFill>
+                <a:prstClr val="white"/>
+              </a:solidFill>
+              <a:effectLst/>
+              <a:uLnTx/>
+              <a:uFillTx/>
+              <a:latin typeface="Calibri" panose="020F0502020204030204"/>
+              <a:ea typeface="+mn-ea"/>
+              <a:cs typeface="+mn-cs"/>
+            </a:endParaRPr>
+          </a:p>
+        </p:txBody>
+      </p:sp>
+      <p:cxnSp>
+        <p:nvCxnSpPr>
+          <p:cNvPr id="10" name="Straight Connector 9">
+            <a:extLst>
+              <a:ext uri="{FF2B5EF4-FFF2-40B4-BE49-F238E27FC236}">
+                <a16:creationId xmlns:a16="http://schemas.microsoft.com/office/drawing/2014/main" id="{D4C22394-EBC2-4FAF-A555-6C02D589EED7}"/>
+              </a:ext>
+              <a:ext uri="{C183D7F6-B498-43B3-948B-1728B52AA6E4}">
+                <adec:decorative xmlns:adec="http://schemas.microsoft.com/office/drawing/2017/decorative" val="1"/>
+              </a:ext>
+            </a:extLst>
+          </p:cNvPr>
+          <p:cNvCxnSpPr>
+            <a:cxnSpLocks noGrp="1" noRot="1" noChangeAspect="1" noMove="1" noResize="1" noEditPoints="1" noAdjustHandles="1" noChangeArrowheads="1" noChangeShapeType="1"/>
+          </p:cNvCxnSpPr>
+          <p:nvPr>
+            <p:extLst>
+              <p:ext uri="{386F3935-93C4-4BCD-93E2-E3B085C9AB24}">
+                <p16:designElem xmlns:p16="http://schemas.microsoft.com/office/powerpoint/2015/main" val="1"/>
+              </p:ext>
+            </p:extLst>
+          </p:nvPr>
+        </p:nvCxnSpPr>
+        <p:spPr>
+          <a:xfrm rot="16200000">
+            <a:off x="1508760" y="3431556"/>
+            <a:ext cx="0" cy="1737360"/>
+          </a:xfrm>
+          <a:prstGeom prst="line">
+            <a:avLst/>
+          </a:prstGeom>
+          <a:ln w="19050" cap="sq">
+            <a:solidFill>
+              <a:schemeClr val="tx1"/>
+            </a:solidFill>
+          </a:ln>
+        </p:spPr>
+        <p:style>
+          <a:lnRef idx="1">
+            <a:schemeClr val="accent1"/>
+          </a:lnRef>
+          <a:fillRef idx="0">
+            <a:schemeClr val="accent1"/>
+          </a:fillRef>
+          <a:effectRef idx="0">
+            <a:schemeClr val="accent1"/>
+          </a:effectRef>
+          <a:fontRef idx="minor">
+            <a:schemeClr val="tx1"/>
+          </a:fontRef>
+        </p:style>
+      </p:cxnSp>
+      <p:sp>
+        <p:nvSpPr>
+          <p:cNvPr id="12" name="Oval 11">
+            <a:extLst>
+              <a:ext uri="{FF2B5EF4-FFF2-40B4-BE49-F238E27FC236}">
+                <a16:creationId xmlns:a16="http://schemas.microsoft.com/office/drawing/2014/main" id="{F7194F93-1F71-4A70-9DF1-28F183771111}"/>
+              </a:ext>
+              <a:ext uri="{C183D7F6-B498-43B3-948B-1728B52AA6E4}">
+                <adec:decorative xmlns:adec="http://schemas.microsoft.com/office/drawing/2017/decorative" val="1"/>
+              </a:ext>
+            </a:extLst>
+          </p:cNvPr>
+          <p:cNvSpPr>
+            <a:spLocks noGrp="1" noRot="1" noChangeAspect="1" noMove="1" noResize="1" noEditPoints="1" noAdjustHandles="1" noChangeArrowheads="1" noChangeShapeType="1" noTextEdit="1"/>
+          </p:cNvSpPr>
+          <p:nvPr>
+            <p:extLst>
+              <p:ext uri="{386F3935-93C4-4BCD-93E2-E3B085C9AB24}">
+                <p16:designElem xmlns:p16="http://schemas.microsoft.com/office/powerpoint/2015/main" val="1"/>
+              </p:ext>
+            </p:extLst>
+          </p:nvPr>
+        </p:nvSpPr>
+        <p:spPr>
+          <a:xfrm>
+            <a:off x="8732897" y="5004581"/>
+            <a:ext cx="962395" cy="962395"/>
+          </a:xfrm>
+          <a:prstGeom prst="ellipse">
+            <a:avLst/>
+          </a:prstGeom>
+          <a:solidFill>
+            <a:schemeClr val="accent1"/>
+          </a:solidFill>
+          <a:ln>
+            <a:noFill/>
+          </a:ln>
+        </p:spPr>
+        <p:style>
+          <a:lnRef idx="2">
+            <a:schemeClr val="accent1">
+              <a:shade val="50000"/>
+            </a:schemeClr>
+          </a:lnRef>
+          <a:fillRef idx="1">
+            <a:schemeClr val="accent1"/>
+          </a:fillRef>
+          <a:effectRef idx="0">
+            <a:schemeClr val="accent1"/>
+          </a:effectRef>
+          <a:fontRef idx="minor">
+            <a:schemeClr val="lt1"/>
+          </a:fontRef>
+        </p:style>
+        <p:txBody>
+          <a:bodyPr rtlCol="0" anchor="ctr"/>
+          <a:lstStyle/>
+          <a:p>
+            <a:pPr marL="0" marR="0" lvl="0" indent="0" algn="ctr" defTabSz="914400" rtl="0" eaLnBrk="1" fontAlgn="auto" latinLnBrk="0" hangingPunct="1">
+              <a:lnSpc>
+                <a:spcPct val="100000"/>
+              </a:lnSpc>
+              <a:spcBef>
+                <a:spcPts val="0"/>
+              </a:spcBef>
+              <a:spcAft>
+                <a:spcPts val="0"/>
+              </a:spcAft>
+              <a:buClrTx/>
+              <a:buSzTx/>
+              <a:buFontTx/>
+              <a:buNone/>
+              <a:tabLst/>
+              <a:defRPr/>
+            </a:pPr>
+            <a:endParaRPr kumimoji="0" lang="en-US" sz="1800" b="0" i="0" u="none" strike="noStrike" kern="1200" cap="none" spc="0" normalizeH="0" baseline="0" noProof="0">
+              <a:ln>
+                <a:noFill/>
+              </a:ln>
+              <a:solidFill>
+                <a:prstClr val="white"/>
+              </a:solidFill>
+              <a:effectLst/>
+              <a:uLnTx/>
+              <a:uFillTx/>
+              <a:latin typeface="Calibri" panose="020F0502020204030204"/>
+              <a:ea typeface="+mn-ea"/>
+              <a:cs typeface="+mn-cs"/>
+            </a:endParaRPr>
+          </a:p>
+        </p:txBody>
+      </p:sp>
+      <p:sp>
+        <p:nvSpPr>
+          <p:cNvPr id="14" name="Oval 13">
+            <a:extLst>
+              <a:ext uri="{FF2B5EF4-FFF2-40B4-BE49-F238E27FC236}">
+                <a16:creationId xmlns:a16="http://schemas.microsoft.com/office/drawing/2014/main" id="{9BBC0C84-DC2A-43AE-9576-0A44295E8B9C}"/>
+              </a:ext>
+              <a:ext uri="{C183D7F6-B498-43B3-948B-1728B52AA6E4}">
+                <adec:decorative xmlns:adec="http://schemas.microsoft.com/office/drawing/2017/decorative" val="1"/>
+              </a:ext>
+            </a:extLst>
+          </p:cNvPr>
+          <p:cNvSpPr>
+            <a:spLocks noGrp="1" noRot="1" noChangeAspect="1" noMove="1" noResize="1" noEditPoints="1" noAdjustHandles="1" noChangeArrowheads="1" noChangeShapeType="1" noTextEdit="1"/>
+          </p:cNvSpPr>
+          <p:nvPr>
+            <p:extLst>
+              <p:ext uri="{386F3935-93C4-4BCD-93E2-E3B085C9AB24}">
+                <p16:designElem xmlns:p16="http://schemas.microsoft.com/office/powerpoint/2015/main" val="1"/>
+              </p:ext>
+            </p:extLst>
+          </p:nvPr>
+        </p:nvSpPr>
+        <p:spPr>
+          <a:xfrm>
+            <a:off x="10463725" y="4865965"/>
+            <a:ext cx="293695" cy="293695"/>
+          </a:xfrm>
+          <a:prstGeom prst="ellipse">
+            <a:avLst/>
+          </a:prstGeom>
+          <a:solidFill>
+            <a:schemeClr val="accent4"/>
+          </a:solidFill>
+          <a:ln>
+            <a:noFill/>
+          </a:ln>
+        </p:spPr>
+        <p:style>
+          <a:lnRef idx="2">
+            <a:schemeClr val="accent1">
+              <a:shade val="50000"/>
+            </a:schemeClr>
+          </a:lnRef>
+          <a:fillRef idx="1">
+            <a:schemeClr val="accent1"/>
+          </a:fillRef>
+          <a:effectRef idx="0">
+            <a:schemeClr val="accent1"/>
+          </a:effectRef>
+          <a:fontRef idx="minor">
+            <a:schemeClr val="lt1"/>
+          </a:fontRef>
+        </p:style>
+        <p:txBody>
+          <a:bodyPr rtlCol="0" anchor="ctr"/>
+          <a:lstStyle/>
+          <a:p>
+            <a:pPr marL="0" marR="0" lvl="0" indent="0" algn="ctr" defTabSz="914400" rtl="0" eaLnBrk="1" fontAlgn="auto" latinLnBrk="0" hangingPunct="1">
+              <a:lnSpc>
+                <a:spcPct val="100000"/>
+              </a:lnSpc>
+              <a:spcBef>
+                <a:spcPts val="0"/>
+              </a:spcBef>
+              <a:spcAft>
+                <a:spcPts val="0"/>
+              </a:spcAft>
+              <a:buClrTx/>
+              <a:buSzTx/>
+              <a:buFontTx/>
+              <a:buNone/>
+              <a:tabLst/>
+              <a:defRPr/>
+            </a:pPr>
+            <a:endParaRPr kumimoji="0" lang="en-US" sz="1800" b="0" i="0" u="none" strike="noStrike" kern="1200" cap="none" spc="0" normalizeH="0" baseline="0" noProof="0">
+              <a:ln>
+                <a:noFill/>
+              </a:ln>
+              <a:solidFill>
+                <a:prstClr val="white"/>
+              </a:solidFill>
+              <a:effectLst/>
+              <a:uLnTx/>
+              <a:uFillTx/>
+              <a:latin typeface="Calibri" panose="020F0502020204030204"/>
+              <a:ea typeface="+mn-ea"/>
+              <a:cs typeface="+mn-cs"/>
+            </a:endParaRPr>
+          </a:p>
+        </p:txBody>
+      </p:sp>
+      <p:sp>
+        <p:nvSpPr>
+          <p:cNvPr id="16" name="Freeform: Shape 15">
+            <a:extLst>
+              <a:ext uri="{FF2B5EF4-FFF2-40B4-BE49-F238E27FC236}">
+                <a16:creationId xmlns:a16="http://schemas.microsoft.com/office/drawing/2014/main" id="{11394CD8-BD30-4B74-86F4-51FDF3383419}"/>
+              </a:ext>
+              <a:ext uri="{C183D7F6-B498-43B3-948B-1728B52AA6E4}">
+                <adec:decorative xmlns:adec="http://schemas.microsoft.com/office/drawing/2017/decorative" val="1"/>
+              </a:ext>
+            </a:extLst>
+          </p:cNvPr>
+          <p:cNvSpPr>
+            <a:spLocks noGrp="1" noRot="1" noChangeAspect="1" noMove="1" noResize="1" noEditPoints="1" noAdjustHandles="1" noChangeArrowheads="1" noChangeShapeType="1" noTextEdit="1"/>
+          </p:cNvSpPr>
+          <p:nvPr>
+            <p:extLst>
+              <p:ext uri="{386F3935-93C4-4BCD-93E2-E3B085C9AB24}">
+                <p16:designElem xmlns:p16="http://schemas.microsoft.com/office/powerpoint/2015/main" val="1"/>
+              </p:ext>
+            </p:extLst>
+          </p:nvPr>
+        </p:nvSpPr>
+        <p:spPr>
+          <a:xfrm>
+            <a:off x="6492113" y="0"/>
+            <a:ext cx="5699887" cy="4059244"/>
+          </a:xfrm>
+          <a:custGeom>
+            <a:avLst/>
+            <a:gdLst>
+              <a:gd name="connsiteX0" fmla="*/ 0 w 5699887"/>
+              <a:gd name="connsiteY0" fmla="*/ 0 h 4059244"/>
+              <a:gd name="connsiteX1" fmla="*/ 5699887 w 5699887"/>
+              <a:gd name="connsiteY1" fmla="*/ 0 h 4059244"/>
+              <a:gd name="connsiteX2" fmla="*/ 5699887 w 5699887"/>
+              <a:gd name="connsiteY2" fmla="*/ 3944096 h 4059244"/>
+              <a:gd name="connsiteX3" fmla="*/ 5525775 w 5699887"/>
+              <a:gd name="connsiteY3" fmla="*/ 3980429 h 4059244"/>
+              <a:gd name="connsiteX4" fmla="*/ 4663256 w 5699887"/>
+              <a:gd name="connsiteY4" fmla="*/ 4059244 h 4059244"/>
+              <a:gd name="connsiteX5" fmla="*/ 8566 w 5699887"/>
+              <a:gd name="connsiteY5" fmla="*/ 67422 h 4059244"/>
+            </a:gdLst>
+            <a:ahLst/>
+            <a:cxnLst>
+              <a:cxn ang="0">
+                <a:pos x="connsiteX0" y="connsiteY0"/>
+              </a:cxn>
+              <a:cxn ang="0">
+                <a:pos x="connsiteX1" y="connsiteY1"/>
+              </a:cxn>
+              <a:cxn ang="0">
+                <a:pos x="connsiteX2" y="connsiteY2"/>
+              </a:cxn>
+              <a:cxn ang="0">
+                <a:pos x="connsiteX3" y="connsiteY3"/>
+              </a:cxn>
+              <a:cxn ang="0">
+                <a:pos x="connsiteX4" y="connsiteY4"/>
+              </a:cxn>
+              <a:cxn ang="0">
+                <a:pos x="connsiteX5" y="connsiteY5"/>
+              </a:cxn>
+            </a:cxnLst>
+            <a:rect l="l" t="t" r="r" b="b"/>
+            <a:pathLst>
+              <a:path w="5699887" h="4059244">
+                <a:moveTo>
+                  <a:pt x="0" y="0"/>
+                </a:moveTo>
+                <a:lnTo>
+                  <a:pt x="5699887" y="0"/>
+                </a:lnTo>
+                <a:lnTo>
+                  <a:pt x="5699887" y="3944096"/>
+                </a:lnTo>
+                <a:lnTo>
+                  <a:pt x="5525775" y="3980429"/>
+                </a:lnTo>
+                <a:cubicBezTo>
+                  <a:pt x="5246154" y="4032190"/>
+                  <a:pt x="4957865" y="4059244"/>
+                  <a:pt x="4663256" y="4059244"/>
+                </a:cubicBezTo>
+                <a:cubicBezTo>
+                  <a:pt x="2306390" y="4059244"/>
+                  <a:pt x="353936" y="2327747"/>
+                  <a:pt x="8566" y="67422"/>
+                </a:cubicBezTo>
+                <a:close/>
+              </a:path>
+            </a:pathLst>
+          </a:custGeom>
+          <a:solidFill>
+            <a:srgbClr val="595959"/>
+          </a:solidFill>
+          <a:ln>
+            <a:noFill/>
+          </a:ln>
+        </p:spPr>
+        <p:style>
+          <a:lnRef idx="2">
+            <a:schemeClr val="accent1">
+              <a:shade val="50000"/>
+            </a:schemeClr>
+          </a:lnRef>
+          <a:fillRef idx="1">
+            <a:schemeClr val="accent1"/>
+          </a:fillRef>
+          <a:effectRef idx="0">
+            <a:schemeClr val="accent1"/>
+          </a:effectRef>
+          <a:fontRef idx="minor">
+            <a:schemeClr val="lt1"/>
+          </a:fontRef>
+        </p:style>
+        <p:txBody>
+          <a:bodyPr rtlCol="0" anchor="ctr"/>
+          <a:lstStyle/>
+          <a:p>
+            <a:pPr marL="0" marR="0" lvl="0" indent="0" algn="ctr" defTabSz="914400" rtl="0" eaLnBrk="1" fontAlgn="auto" latinLnBrk="0" hangingPunct="1">
+              <a:lnSpc>
+                <a:spcPct val="100000"/>
+              </a:lnSpc>
+              <a:spcBef>
+                <a:spcPts val="0"/>
+              </a:spcBef>
+              <a:spcAft>
+                <a:spcPts val="0"/>
+              </a:spcAft>
+              <a:buClrTx/>
+              <a:buSzTx/>
+              <a:buFontTx/>
+              <a:buNone/>
+              <a:tabLst/>
+              <a:defRPr/>
+            </a:pPr>
+            <a:endParaRPr kumimoji="0" lang="en-US" sz="1800" b="0" i="0" u="none" strike="noStrike" kern="1200" cap="none" spc="0" normalizeH="0" baseline="0" noProof="0">
+              <a:ln>
+                <a:noFill/>
+              </a:ln>
+              <a:solidFill>
+                <a:prstClr val="white"/>
+              </a:solidFill>
+              <a:effectLst/>
+              <a:uLnTx/>
+              <a:uFillTx/>
+              <a:latin typeface="Calibri" panose="020F0502020204030204"/>
+              <a:ea typeface="+mn-ea"/>
+              <a:cs typeface="+mn-cs"/>
+            </a:endParaRPr>
+          </a:p>
+        </p:txBody>
+      </p:sp>
+      <p:sp>
+        <p:nvSpPr>
+          <p:cNvPr id="2" name="タイトル 1">
+            <a:extLst>
+              <a:ext uri="{FF2B5EF4-FFF2-40B4-BE49-F238E27FC236}">
+                <a16:creationId xmlns:a16="http://schemas.microsoft.com/office/drawing/2014/main" id="{E3A9AA0B-1B3B-42C6-A913-24214DA76A76}"/>
+              </a:ext>
+            </a:extLst>
+          </p:cNvPr>
+          <p:cNvSpPr>
+            <a:spLocks noGrp="1"/>
+          </p:cNvSpPr>
+          <p:nvPr>
+            <p:ph type="title"/>
+          </p:nvPr>
+        </p:nvSpPr>
+        <p:spPr>
+          <a:xfrm>
+            <a:off x="640079" y="4526280"/>
+            <a:ext cx="7410681" cy="1737360"/>
+          </a:xfrm>
+        </p:spPr>
+        <p:txBody>
+          <a:bodyPr>
+            <a:normAutofit/>
+          </a:bodyPr>
+          <a:lstStyle/>
+          <a:p>
+            <a:r>
+              <a:rPr kumimoji="1" lang="ja-JP" altLang="en-US" sz="4800" dirty="0"/>
+              <a:t>プログラマー募集要項</a:t>
+            </a:r>
+          </a:p>
+        </p:txBody>
+      </p:sp>
+      <p:sp>
+        <p:nvSpPr>
+          <p:cNvPr id="3" name="コンテンツ プレースホルダー 2">
+            <a:extLst>
+              <a:ext uri="{FF2B5EF4-FFF2-40B4-BE49-F238E27FC236}">
+                <a16:creationId xmlns:a16="http://schemas.microsoft.com/office/drawing/2014/main" id="{41542D7B-1FF4-4716-837E-CC841F0AE8C3}"/>
+              </a:ext>
+            </a:extLst>
+          </p:cNvPr>
+          <p:cNvSpPr>
+            <a:spLocks noGrp="1"/>
+          </p:cNvSpPr>
+          <p:nvPr>
+            <p:ph idx="1"/>
+          </p:nvPr>
+        </p:nvSpPr>
+        <p:spPr>
+          <a:xfrm>
+            <a:off x="640080" y="595293"/>
+            <a:ext cx="5676637" cy="3463951"/>
+          </a:xfrm>
+        </p:spPr>
+        <p:txBody>
+          <a:bodyPr anchor="ctr">
+            <a:normAutofit/>
+          </a:bodyPr>
+          <a:lstStyle/>
+          <a:p>
+            <a:r>
+              <a:rPr lang="ja-JP" altLang="en-US" sz="1800" dirty="0"/>
+              <a:t>他企画との兼任推奨</a:t>
+            </a:r>
+            <a:endParaRPr lang="en-US" altLang="ja-JP" sz="1800" dirty="0"/>
+          </a:p>
+          <a:p>
+            <a:pPr marL="0" indent="0">
+              <a:buNone/>
+            </a:pPr>
+            <a:r>
+              <a:rPr lang="ja-JP" altLang="en-US" sz="1800" dirty="0"/>
+              <a:t>　主要部分の開発メンバーは確定しているため、主な業務は細かい部分。</a:t>
+            </a:r>
+            <a:endParaRPr lang="en-US" altLang="ja-JP" sz="1800" dirty="0"/>
+          </a:p>
+        </p:txBody>
+      </p:sp>
+    </p:spTree>
+    <p:extLst>
+      <p:ext uri="{BB962C8B-B14F-4D97-AF65-F5344CB8AC3E}">
+        <p14:creationId xmlns:p14="http://schemas.microsoft.com/office/powerpoint/2010/main" val="2110242459"/>
+      </p:ext>
+    </p:extLst>
+  </p:cSld>
+  <p:clrMapOvr>
+    <a:masterClrMapping/>
+  </p:clrMapOvr>
+  <mc:AlternateContent xmlns:mc="http://schemas.openxmlformats.org/markup-compatibility/2006">
+    <mc:Choice xmlns:p14="http://schemas.microsoft.com/office/powerpoint/2010/main" Requires="p14">
+      <p:transition spd="med" p14:dur="700">
+        <p:fade/>
+      </p:transition>
+    </mc:Choice>
+    <mc:Fallback>
+      <p:transition spd="med">
+        <p:fade/>
+      </p:transition>
+    </mc:Fallback>
+  </mc:AlternateContent>
 </p:sld>
 </file>
 
